--- a/jest_talk.pptx
+++ b/jest_talk.pptx
@@ -21,8 +21,11 @@
     <p:sldId id="266" r:id="rId18"/>
     <p:sldId id="267" r:id="rId19"/>
     <p:sldId id="268" r:id="rId20"/>
+    <p:sldId id="269" r:id="rId21"/>
+    <p:sldId id="270" r:id="rId22"/>
+    <p:sldId id="271" r:id="rId23"/>
   </p:sldIdLst>
-  <p:sldSz cx="24384000" cy="13716000"/>
+  <p:sldSz cx="13004800" cy="9753600"/>
   <p:notesSz cx="6858000" cy="9144000"/>
   <p:defaultTextStyle>
     <a:defPPr marL="0" marR="0" indent="0" algn="l" defTabSz="914400" rtl="0" fontAlgn="auto" latinLnBrk="1" hangingPunct="0">
@@ -51,12 +54,12 @@
         <a:uFillTx/>
       </a:defRPr>
     </a:defPPr>
-    <a:lvl1pPr marL="0" marR="0" indent="0" algn="l" defTabSz="825500" rtl="0" fontAlgn="auto" latinLnBrk="0" hangingPunct="0">
+    <a:lvl1pPr marL="0" marR="0" indent="0" algn="l" defTabSz="584200" rtl="0" fontAlgn="auto" latinLnBrk="0" hangingPunct="0">
       <a:lnSpc>
         <a:spcPct val="100000"/>
       </a:lnSpc>
       <a:spcBef>
-        <a:spcPts val="3400"/>
+        <a:spcPts val="2400"/>
       </a:spcBef>
       <a:spcAft>
         <a:spcPts val="0"/>
@@ -66,7 +69,7 @@
       <a:buFontTx/>
       <a:buNone/>
       <a:tabLst/>
-      <a:defRPr b="0" baseline="0" cap="none" i="0" spc="0" strike="noStrike" sz="3000" u="none" kumimoji="0" normalizeH="0">
+      <a:defRPr b="0" baseline="0" cap="none" i="0" spc="0" strike="noStrike" sz="2000" u="none" kumimoji="0" normalizeH="0">
         <a:ln>
           <a:noFill/>
         </a:ln>
@@ -81,12 +84,12 @@
         <a:sym typeface="Avenir Next Medium"/>
       </a:defRPr>
     </a:lvl1pPr>
-    <a:lvl2pPr marL="0" marR="0" indent="0" algn="l" defTabSz="825500" rtl="0" fontAlgn="auto" latinLnBrk="0" hangingPunct="0">
+    <a:lvl2pPr marL="0" marR="0" indent="0" algn="l" defTabSz="584200" rtl="0" fontAlgn="auto" latinLnBrk="0" hangingPunct="0">
       <a:lnSpc>
         <a:spcPct val="100000"/>
       </a:lnSpc>
       <a:spcBef>
-        <a:spcPts val="3400"/>
+        <a:spcPts val="2400"/>
       </a:spcBef>
       <a:spcAft>
         <a:spcPts val="0"/>
@@ -96,7 +99,7 @@
       <a:buFontTx/>
       <a:buNone/>
       <a:tabLst/>
-      <a:defRPr b="0" baseline="0" cap="none" i="0" spc="0" strike="noStrike" sz="3000" u="none" kumimoji="0" normalizeH="0">
+      <a:defRPr b="0" baseline="0" cap="none" i="0" spc="0" strike="noStrike" sz="2000" u="none" kumimoji="0" normalizeH="0">
         <a:ln>
           <a:noFill/>
         </a:ln>
@@ -111,12 +114,12 @@
         <a:sym typeface="Avenir Next Medium"/>
       </a:defRPr>
     </a:lvl2pPr>
-    <a:lvl3pPr marL="0" marR="0" indent="0" algn="l" defTabSz="825500" rtl="0" fontAlgn="auto" latinLnBrk="0" hangingPunct="0">
+    <a:lvl3pPr marL="0" marR="0" indent="0" algn="l" defTabSz="584200" rtl="0" fontAlgn="auto" latinLnBrk="0" hangingPunct="0">
       <a:lnSpc>
         <a:spcPct val="100000"/>
       </a:lnSpc>
       <a:spcBef>
-        <a:spcPts val="3400"/>
+        <a:spcPts val="2400"/>
       </a:spcBef>
       <a:spcAft>
         <a:spcPts val="0"/>
@@ -126,7 +129,7 @@
       <a:buFontTx/>
       <a:buNone/>
       <a:tabLst/>
-      <a:defRPr b="0" baseline="0" cap="none" i="0" spc="0" strike="noStrike" sz="3000" u="none" kumimoji="0" normalizeH="0">
+      <a:defRPr b="0" baseline="0" cap="none" i="0" spc="0" strike="noStrike" sz="2000" u="none" kumimoji="0" normalizeH="0">
         <a:ln>
           <a:noFill/>
         </a:ln>
@@ -141,12 +144,12 @@
         <a:sym typeface="Avenir Next Medium"/>
       </a:defRPr>
     </a:lvl3pPr>
-    <a:lvl4pPr marL="0" marR="0" indent="0" algn="l" defTabSz="825500" rtl="0" fontAlgn="auto" latinLnBrk="0" hangingPunct="0">
+    <a:lvl4pPr marL="0" marR="0" indent="0" algn="l" defTabSz="584200" rtl="0" fontAlgn="auto" latinLnBrk="0" hangingPunct="0">
       <a:lnSpc>
         <a:spcPct val="100000"/>
       </a:lnSpc>
       <a:spcBef>
-        <a:spcPts val="3400"/>
+        <a:spcPts val="2400"/>
       </a:spcBef>
       <a:spcAft>
         <a:spcPts val="0"/>
@@ -156,7 +159,7 @@
       <a:buFontTx/>
       <a:buNone/>
       <a:tabLst/>
-      <a:defRPr b="0" baseline="0" cap="none" i="0" spc="0" strike="noStrike" sz="3000" u="none" kumimoji="0" normalizeH="0">
+      <a:defRPr b="0" baseline="0" cap="none" i="0" spc="0" strike="noStrike" sz="2000" u="none" kumimoji="0" normalizeH="0">
         <a:ln>
           <a:noFill/>
         </a:ln>
@@ -171,12 +174,12 @@
         <a:sym typeface="Avenir Next Medium"/>
       </a:defRPr>
     </a:lvl4pPr>
-    <a:lvl5pPr marL="0" marR="0" indent="0" algn="l" defTabSz="825500" rtl="0" fontAlgn="auto" latinLnBrk="0" hangingPunct="0">
+    <a:lvl5pPr marL="0" marR="0" indent="0" algn="l" defTabSz="584200" rtl="0" fontAlgn="auto" latinLnBrk="0" hangingPunct="0">
       <a:lnSpc>
         <a:spcPct val="100000"/>
       </a:lnSpc>
       <a:spcBef>
-        <a:spcPts val="3400"/>
+        <a:spcPts val="2400"/>
       </a:spcBef>
       <a:spcAft>
         <a:spcPts val="0"/>
@@ -186,7 +189,7 @@
       <a:buFontTx/>
       <a:buNone/>
       <a:tabLst/>
-      <a:defRPr b="0" baseline="0" cap="none" i="0" spc="0" strike="noStrike" sz="3000" u="none" kumimoji="0" normalizeH="0">
+      <a:defRPr b="0" baseline="0" cap="none" i="0" spc="0" strike="noStrike" sz="2000" u="none" kumimoji="0" normalizeH="0">
         <a:ln>
           <a:noFill/>
         </a:ln>
@@ -201,12 +204,12 @@
         <a:sym typeface="Avenir Next Medium"/>
       </a:defRPr>
     </a:lvl5pPr>
-    <a:lvl6pPr marL="0" marR="0" indent="0" algn="l" defTabSz="825500" rtl="0" fontAlgn="auto" latinLnBrk="0" hangingPunct="0">
+    <a:lvl6pPr marL="0" marR="0" indent="0" algn="l" defTabSz="584200" rtl="0" fontAlgn="auto" latinLnBrk="0" hangingPunct="0">
       <a:lnSpc>
         <a:spcPct val="100000"/>
       </a:lnSpc>
       <a:spcBef>
-        <a:spcPts val="3400"/>
+        <a:spcPts val="2400"/>
       </a:spcBef>
       <a:spcAft>
         <a:spcPts val="0"/>
@@ -216,7 +219,7 @@
       <a:buFontTx/>
       <a:buNone/>
       <a:tabLst/>
-      <a:defRPr b="0" baseline="0" cap="none" i="0" spc="0" strike="noStrike" sz="3000" u="none" kumimoji="0" normalizeH="0">
+      <a:defRPr b="0" baseline="0" cap="none" i="0" spc="0" strike="noStrike" sz="2000" u="none" kumimoji="0" normalizeH="0">
         <a:ln>
           <a:noFill/>
         </a:ln>
@@ -231,12 +234,12 @@
         <a:sym typeface="Avenir Next Medium"/>
       </a:defRPr>
     </a:lvl6pPr>
-    <a:lvl7pPr marL="0" marR="0" indent="0" algn="l" defTabSz="825500" rtl="0" fontAlgn="auto" latinLnBrk="0" hangingPunct="0">
+    <a:lvl7pPr marL="0" marR="0" indent="0" algn="l" defTabSz="584200" rtl="0" fontAlgn="auto" latinLnBrk="0" hangingPunct="0">
       <a:lnSpc>
         <a:spcPct val="100000"/>
       </a:lnSpc>
       <a:spcBef>
-        <a:spcPts val="3400"/>
+        <a:spcPts val="2400"/>
       </a:spcBef>
       <a:spcAft>
         <a:spcPts val="0"/>
@@ -246,7 +249,7 @@
       <a:buFontTx/>
       <a:buNone/>
       <a:tabLst/>
-      <a:defRPr b="0" baseline="0" cap="none" i="0" spc="0" strike="noStrike" sz="3000" u="none" kumimoji="0" normalizeH="0">
+      <a:defRPr b="0" baseline="0" cap="none" i="0" spc="0" strike="noStrike" sz="2000" u="none" kumimoji="0" normalizeH="0">
         <a:ln>
           <a:noFill/>
         </a:ln>
@@ -261,12 +264,12 @@
         <a:sym typeface="Avenir Next Medium"/>
       </a:defRPr>
     </a:lvl7pPr>
-    <a:lvl8pPr marL="0" marR="0" indent="0" algn="l" defTabSz="825500" rtl="0" fontAlgn="auto" latinLnBrk="0" hangingPunct="0">
+    <a:lvl8pPr marL="0" marR="0" indent="0" algn="l" defTabSz="584200" rtl="0" fontAlgn="auto" latinLnBrk="0" hangingPunct="0">
       <a:lnSpc>
         <a:spcPct val="100000"/>
       </a:lnSpc>
       <a:spcBef>
-        <a:spcPts val="3400"/>
+        <a:spcPts val="2400"/>
       </a:spcBef>
       <a:spcAft>
         <a:spcPts val="0"/>
@@ -276,7 +279,7 @@
       <a:buFontTx/>
       <a:buNone/>
       <a:tabLst/>
-      <a:defRPr b="0" baseline="0" cap="none" i="0" spc="0" strike="noStrike" sz="3000" u="none" kumimoji="0" normalizeH="0">
+      <a:defRPr b="0" baseline="0" cap="none" i="0" spc="0" strike="noStrike" sz="2000" u="none" kumimoji="0" normalizeH="0">
         <a:ln>
           <a:noFill/>
         </a:ln>
@@ -291,12 +294,12 @@
         <a:sym typeface="Avenir Next Medium"/>
       </a:defRPr>
     </a:lvl8pPr>
-    <a:lvl9pPr marL="0" marR="0" indent="0" algn="l" defTabSz="825500" rtl="0" fontAlgn="auto" latinLnBrk="0" hangingPunct="0">
+    <a:lvl9pPr marL="0" marR="0" indent="0" algn="l" defTabSz="584200" rtl="0" fontAlgn="auto" latinLnBrk="0" hangingPunct="0">
       <a:lnSpc>
         <a:spcPct val="100000"/>
       </a:lnSpc>
       <a:spcBef>
-        <a:spcPts val="3400"/>
+        <a:spcPts val="2400"/>
       </a:spcBef>
       <a:spcAft>
         <a:spcPts val="0"/>
@@ -306,7 +309,7 @@
       <a:buFontTx/>
       <a:buNone/>
       <a:tabLst/>
-      <a:defRPr b="0" baseline="0" cap="none" i="0" spc="0" strike="noStrike" sz="3000" u="none" kumimoji="0" normalizeH="0">
+      <a:defRPr b="0" baseline="0" cap="none" i="0" spc="0" strike="noStrike" sz="2000" u="none" kumimoji="0" normalizeH="0">
         <a:ln>
           <a:noFill/>
         </a:ln>
@@ -535,13 +538,13 @@
         </p:nvSpPr>
         <p:spPr>
           <a:xfrm flipV="1">
-            <a:off x="762000" y="8635632"/>
-            <a:ext cx="22859999" cy="369"/>
+            <a:off x="406400" y="6140894"/>
+            <a:ext cx="12192000" cy="263"/>
           </a:xfrm>
           <a:prstGeom prst="line">
             <a:avLst/>
           </a:prstGeom>
-          <a:ln w="50800">
+          <a:ln w="38100">
             <a:solidFill>
               <a:srgbClr val="A6AAA9"/>
             </a:solidFill>
@@ -579,8 +582,8 @@
         </p:nvSpPr>
         <p:spPr>
           <a:xfrm>
-            <a:off x="762000" y="9042400"/>
-            <a:ext cx="22860000" cy="3810000"/>
+            <a:off x="406400" y="6426200"/>
+            <a:ext cx="12192000" cy="2705100"/>
           </a:xfrm>
           <a:prstGeom prst="rect">
             <a:avLst/>
@@ -593,7 +596,7 @@
               <a:spcBef>
                 <a:spcPts val="0"/>
               </a:spcBef>
-              <a:defRPr sz="30300"/>
+              <a:defRPr sz="17000"/>
             </a:lvl1pPr>
           </a:lstStyle>
           <a:p>
@@ -614,8 +617,8 @@
         </p:nvSpPr>
         <p:spPr>
           <a:xfrm>
-            <a:off x="762000" y="5994400"/>
-            <a:ext cx="22860000" cy="2540000"/>
+            <a:off x="406400" y="4267200"/>
+            <a:ext cx="12192000" cy="1803400"/>
           </a:xfrm>
           <a:prstGeom prst="rect">
             <a:avLst/>
@@ -629,13 +632,13 @@
                 <a:spcPct val="80000"/>
               </a:lnSpc>
               <a:spcBef>
-                <a:spcPts val="3200"/>
+                <a:spcPts val="2300"/>
               </a:spcBef>
               <a:buClrTx/>
               <a:buSzTx/>
               <a:buFontTx/>
               <a:buNone/>
-              <a:defRPr cap="all" sz="7700">
+              <a:defRPr cap="all" sz="5400">
                 <a:solidFill>
                   <a:srgbClr val="A6AAA9"/>
                 </a:solidFill>
@@ -650,13 +653,13 @@
                 <a:spcPct val="80000"/>
               </a:lnSpc>
               <a:spcBef>
-                <a:spcPts val="3200"/>
+                <a:spcPts val="2300"/>
               </a:spcBef>
               <a:buClrTx/>
               <a:buSzTx/>
               <a:buFontTx/>
               <a:buNone/>
-              <a:defRPr cap="all" sz="7700">
+              <a:defRPr cap="all" sz="5400">
                 <a:solidFill>
                   <a:srgbClr val="A6AAA9"/>
                 </a:solidFill>
@@ -671,13 +674,13 @@
                 <a:spcPct val="80000"/>
               </a:lnSpc>
               <a:spcBef>
-                <a:spcPts val="3200"/>
+                <a:spcPts val="2300"/>
               </a:spcBef>
               <a:buClrTx/>
               <a:buSzTx/>
               <a:buFontTx/>
               <a:buNone/>
-              <a:defRPr cap="all" sz="7700">
+              <a:defRPr cap="all" sz="5400">
                 <a:solidFill>
                   <a:srgbClr val="A6AAA9"/>
                 </a:solidFill>
@@ -692,13 +695,13 @@
                 <a:spcPct val="80000"/>
               </a:lnSpc>
               <a:spcBef>
-                <a:spcPts val="3200"/>
+                <a:spcPts val="2300"/>
               </a:spcBef>
               <a:buClrTx/>
               <a:buSzTx/>
               <a:buFontTx/>
               <a:buNone/>
-              <a:defRPr cap="all" sz="7700">
+              <a:defRPr cap="all" sz="5400">
                 <a:solidFill>
                   <a:srgbClr val="A6AAA9"/>
                 </a:solidFill>
@@ -713,13 +716,13 @@
                 <a:spcPct val="80000"/>
               </a:lnSpc>
               <a:spcBef>
-                <a:spcPts val="3200"/>
+                <a:spcPts val="2300"/>
               </a:spcBef>
               <a:buClrTx/>
               <a:buSzTx/>
               <a:buFontTx/>
               <a:buNone/>
-              <a:defRPr cap="all" sz="7700">
+              <a:defRPr cap="all" sz="5400">
                 <a:solidFill>
                   <a:srgbClr val="A6AAA9"/>
                 </a:solidFill>
@@ -772,8 +775,8 @@
         </p:nvSpPr>
         <p:spPr>
           <a:xfrm>
-            <a:off x="23063199" y="609600"/>
-            <a:ext cx="553196" cy="635000"/>
+            <a:off x="12194440" y="431800"/>
+            <a:ext cx="406898" cy="457200"/>
           </a:xfrm>
           <a:prstGeom prst="rect">
             <a:avLst/>
@@ -831,8 +834,8 @@
         </p:nvSpPr>
         <p:spPr>
           <a:xfrm>
-            <a:off x="762000" y="635000"/>
-            <a:ext cx="20955000" cy="635000"/>
+            <a:off x="406400" y="457200"/>
+            <a:ext cx="11176000" cy="457200"/>
           </a:xfrm>
           <a:prstGeom prst="rect">
             <a:avLst/>
@@ -843,7 +846,7 @@
             <a:spAutoFit/>
           </a:bodyPr>
           <a:lstStyle>
-            <a:lvl1pPr marL="0" indent="0" defTabSz="647700">
+            <a:lvl1pPr marL="0" indent="0" defTabSz="457200">
               <a:lnSpc>
                 <a:spcPct val="80000"/>
               </a:lnSpc>
@@ -854,7 +857,7 @@
               <a:buSzTx/>
               <a:buFontTx/>
               <a:buNone/>
-              <a:defRPr cap="all" spc="180" sz="3600">
+              <a:defRPr cap="all" spc="120" sz="2400">
                 <a:latin typeface="DIN Alternate"/>
                 <a:ea typeface="DIN Alternate"/>
                 <a:cs typeface="DIN Alternate"/>
@@ -890,35 +893,30 @@
               <a:buClr>
                 <a:schemeClr val="accent1"/>
               </a:buClr>
-              <a:buSzPct val="125000"/>
               <a:buChar char="▸"/>
             </a:lvl1pPr>
             <a:lvl2pPr>
               <a:buClr>
                 <a:schemeClr val="accent1"/>
               </a:buClr>
-              <a:buSzPct val="125000"/>
               <a:buChar char="▸"/>
             </a:lvl2pPr>
             <a:lvl3pPr>
               <a:buClr>
                 <a:schemeClr val="accent1"/>
               </a:buClr>
-              <a:buSzPct val="125000"/>
               <a:buChar char="▸"/>
             </a:lvl3pPr>
             <a:lvl4pPr>
               <a:buClr>
                 <a:schemeClr val="accent1"/>
               </a:buClr>
-              <a:buSzPct val="125000"/>
               <a:buChar char="▸"/>
             </a:lvl4pPr>
             <a:lvl5pPr>
               <a:buClr>
                 <a:schemeClr val="accent1"/>
               </a:buClr>
-              <a:buSzPct val="125000"/>
               <a:buChar char="▸"/>
             </a:lvl5pPr>
           </a:lstStyle>
@@ -1019,8 +1017,8 @@
         </p:nvSpPr>
         <p:spPr>
           <a:xfrm>
-            <a:off x="12192000" y="0"/>
-            <a:ext cx="12192000" cy="6832600"/>
+            <a:off x="6503154" y="0"/>
+            <a:ext cx="6502401" cy="4864100"/>
           </a:xfrm>
           <a:prstGeom prst="rect">
             <a:avLst/>
@@ -1046,8 +1044,8 @@
         </p:nvSpPr>
         <p:spPr>
           <a:xfrm>
-            <a:off x="12192000" y="6896100"/>
-            <a:ext cx="12192000" cy="6819900"/>
+            <a:off x="6502400" y="4902200"/>
+            <a:ext cx="6502400" cy="4864100"/>
           </a:xfrm>
           <a:prstGeom prst="rect">
             <a:avLst/>
@@ -1074,7 +1072,7 @@
         <p:spPr>
           <a:xfrm>
             <a:off x="0" y="0"/>
-            <a:ext cx="12128500" cy="13716000"/>
+            <a:ext cx="6468534" cy="9753600"/>
           </a:xfrm>
           <a:prstGeom prst="rect">
             <a:avLst/>
@@ -1153,8 +1151,8 @@
         </p:nvSpPr>
         <p:spPr>
           <a:xfrm>
-            <a:off x="876300" y="3314700"/>
-            <a:ext cx="22631400" cy="7317185"/>
+            <a:off x="469900" y="2362200"/>
+            <a:ext cx="12065000" cy="5229225"/>
           </a:xfrm>
           <a:custGeom>
             <a:avLst/>
@@ -1178,48 +1176,48 @@
             <a:pathLst>
               <a:path w="21600" h="21600" fill="norm" stroke="1" extrusionOk="0">
                 <a:moveTo>
-                  <a:pt x="119" y="0"/>
+                  <a:pt x="224" y="0"/>
                 </a:moveTo>
                 <a:cubicBezTo>
-                  <a:pt x="54" y="0"/>
-                  <a:pt x="0" y="165"/>
-                  <a:pt x="0" y="369"/>
+                  <a:pt x="100" y="0"/>
+                  <a:pt x="0" y="232"/>
+                  <a:pt x="0" y="516"/>
                 </a:cubicBezTo>
                 <a:lnTo>
-                  <a:pt x="0" y="19013"/>
+                  <a:pt x="0" y="18789"/>
                 </a:lnTo>
                 <a:cubicBezTo>
-                  <a:pt x="0" y="19217"/>
-                  <a:pt x="54" y="19382"/>
-                  <a:pt x="119" y="19382"/>
+                  <a:pt x="0" y="19073"/>
+                  <a:pt x="100" y="19305"/>
+                  <a:pt x="224" y="19305"/>
                 </a:cubicBezTo>
                 <a:lnTo>
-                  <a:pt x="18186" y="19382"/>
+                  <a:pt x="17228" y="19305"/>
                 </a:lnTo>
                 <a:lnTo>
-                  <a:pt x="18717" y="21600"/>
+                  <a:pt x="17850" y="21600"/>
                 </a:lnTo>
                 <a:lnTo>
-                  <a:pt x="19247" y="19382"/>
+                  <a:pt x="18471" y="19305"/>
                 </a:lnTo>
                 <a:lnTo>
-                  <a:pt x="21481" y="19382"/>
+                  <a:pt x="21376" y="19305"/>
                 </a:lnTo>
                 <a:cubicBezTo>
-                  <a:pt x="21546" y="19382"/>
-                  <a:pt x="21600" y="19217"/>
-                  <a:pt x="21600" y="19013"/>
+                  <a:pt x="21500" y="19305"/>
+                  <a:pt x="21600" y="19073"/>
+                  <a:pt x="21600" y="18789"/>
                 </a:cubicBezTo>
                 <a:lnTo>
-                  <a:pt x="21600" y="369"/>
+                  <a:pt x="21600" y="516"/>
                 </a:lnTo>
                 <a:cubicBezTo>
-                  <a:pt x="21600" y="165"/>
-                  <a:pt x="21546" y="0"/>
-                  <a:pt x="21481" y="0"/>
+                  <a:pt x="21600" y="232"/>
+                  <a:pt x="21500" y="0"/>
+                  <a:pt x="21376" y="0"/>
                 </a:cubicBezTo>
                 <a:lnTo>
-                  <a:pt x="119" y="0"/>
+                  <a:pt x="224" y="0"/>
                 </a:lnTo>
                 <a:close/>
               </a:path>
@@ -1243,7 +1241,7 @@
               <a:spcBef>
                 <a:spcPts val="0"/>
               </a:spcBef>
-              <a:defRPr cap="all" sz="4000">
+              <a:defRPr cap="all" sz="2800">
                 <a:solidFill>
                   <a:srgbClr val="FFFFFF"/>
                 </a:solidFill>
@@ -1266,8 +1264,8 @@
         </p:nvSpPr>
         <p:spPr>
           <a:xfrm>
-            <a:off x="1676400" y="4089400"/>
-            <a:ext cx="21056600" cy="1805946"/>
+            <a:off x="889000" y="2908300"/>
+            <a:ext cx="11226800" cy="1297944"/>
           </a:xfrm>
           <a:prstGeom prst="rect">
             <a:avLst/>
@@ -1289,7 +1287,7 @@
               <a:buSzTx/>
               <a:buFontTx/>
               <a:buNone/>
-              <a:defRPr cap="all" sz="13400">
+              <a:defRPr cap="all" sz="9400">
                 <a:solidFill>
                   <a:srgbClr val="FFFFFF"/>
                 </a:solidFill>
@@ -1318,15 +1316,15 @@
         </p:nvSpPr>
         <p:spPr>
           <a:xfrm>
-            <a:off x="762000" y="10953750"/>
-            <a:ext cx="22860000" cy="1206500"/>
+            <a:off x="406400" y="7789333"/>
+            <a:ext cx="12192000" cy="863604"/>
           </a:xfrm>
           <a:prstGeom prst="rect">
             <a:avLst/>
           </a:prstGeom>
         </p:spPr>
         <p:txBody>
-          <a:bodyPr anchor="ctr">
+          <a:bodyPr>
             <a:spAutoFit/>
           </a:bodyPr>
           <a:lstStyle>
@@ -1341,7 +1339,7 @@
               <a:buSzTx/>
               <a:buFontTx/>
               <a:buNone/>
-              <a:defRPr sz="8700">
+              <a:defRPr sz="6000">
                 <a:latin typeface="+mn-lt"/>
                 <a:ea typeface="+mn-ea"/>
                 <a:cs typeface="+mn-cs"/>
@@ -1367,8 +1365,8 @@
         </p:nvSpPr>
         <p:spPr>
           <a:xfrm>
-            <a:off x="762000" y="635000"/>
-            <a:ext cx="20955000" cy="635000"/>
+            <a:off x="406400" y="457200"/>
+            <a:ext cx="11176000" cy="457200"/>
           </a:xfrm>
           <a:prstGeom prst="rect">
             <a:avLst/>
@@ -1379,7 +1377,7 @@
             <a:spAutoFit/>
           </a:bodyPr>
           <a:lstStyle>
-            <a:lvl1pPr marL="0" indent="0" defTabSz="647700">
+            <a:lvl1pPr marL="0" indent="0" defTabSz="457200">
               <a:lnSpc>
                 <a:spcPct val="80000"/>
               </a:lnSpc>
@@ -1390,7 +1388,7 @@
               <a:buSzTx/>
               <a:buFontTx/>
               <a:buNone/>
-              <a:defRPr cap="all" spc="180" sz="3600">
+              <a:defRPr cap="all" spc="120" sz="2400">
                 <a:latin typeface="DIN Alternate"/>
                 <a:ea typeface="DIN Alternate"/>
                 <a:cs typeface="DIN Alternate"/>
@@ -1471,8 +1469,8 @@
         </p:nvSpPr>
         <p:spPr>
           <a:xfrm>
-            <a:off x="11049000" y="3721100"/>
-            <a:ext cx="12573000" cy="1805946"/>
+            <a:off x="5892800" y="2641600"/>
+            <a:ext cx="6705600" cy="2501900"/>
           </a:xfrm>
           <a:prstGeom prst="rect">
             <a:avLst/>
@@ -1494,7 +1492,7 @@
               <a:buSzTx/>
               <a:buFontTx/>
               <a:buNone/>
-              <a:defRPr cap="all" sz="13400">
+              <a:defRPr cap="all" sz="9400">
                 <a:solidFill>
                   <a:srgbClr val="FFFFFF"/>
                 </a:solidFill>
@@ -1524,7 +1522,7 @@
         <p:spPr>
           <a:xfrm>
             <a:off x="0" y="0"/>
-            <a:ext cx="10287000" cy="13716000"/>
+            <a:ext cx="5486400" cy="9753600"/>
           </a:xfrm>
           <a:prstGeom prst="rect">
             <a:avLst/>
@@ -1550,8 +1548,8 @@
         </p:nvSpPr>
         <p:spPr>
           <a:xfrm>
-            <a:off x="11049000" y="10953750"/>
-            <a:ext cx="12573000" cy="1206500"/>
+            <a:off x="5892800" y="7789333"/>
+            <a:ext cx="6705600" cy="863604"/>
           </a:xfrm>
           <a:prstGeom prst="rect">
             <a:avLst/>
@@ -1562,7 +1560,7 @@
             <a:spAutoFit/>
           </a:bodyPr>
           <a:lstStyle>
-            <a:lvl1pPr marL="0" indent="0" defTabSz="647700">
+            <a:lvl1pPr marL="0" indent="0" defTabSz="457200">
               <a:spcBef>
                 <a:spcPts val="0"/>
               </a:spcBef>
@@ -1570,7 +1568,7 @@
               <a:buSzTx/>
               <a:buFontTx/>
               <a:buNone/>
-              <a:defRPr sz="8700">
+              <a:defRPr sz="6000">
                 <a:solidFill>
                   <a:srgbClr val="232323"/>
                 </a:solidFill>
@@ -1655,7 +1653,7 @@
         <p:spPr>
           <a:xfrm>
             <a:off x="0" y="0"/>
-            <a:ext cx="24384000" cy="13716000"/>
+            <a:ext cx="13004800" cy="9753600"/>
           </a:xfrm>
           <a:prstGeom prst="rect">
             <a:avLst/>
@@ -1840,7 +1838,7 @@
         <p:spPr>
           <a:xfrm>
             <a:off x="0" y="0"/>
-            <a:ext cx="24384000" cy="13716000"/>
+            <a:ext cx="13004800" cy="9753600"/>
           </a:xfrm>
           <a:prstGeom prst="rect">
             <a:avLst/>
@@ -1866,13 +1864,13 @@
         </p:nvSpPr>
         <p:spPr>
           <a:xfrm flipV="1">
-            <a:off x="762000" y="8635632"/>
-            <a:ext cx="22859999" cy="369"/>
+            <a:off x="406400" y="6140894"/>
+            <a:ext cx="12192000" cy="263"/>
           </a:xfrm>
           <a:prstGeom prst="line">
             <a:avLst/>
           </a:prstGeom>
-          <a:ln w="50800">
+          <a:ln w="38100">
             <a:solidFill>
               <a:srgbClr val="A6AAA9"/>
             </a:solidFill>
@@ -1915,8 +1913,8 @@
         </p:nvSpPr>
         <p:spPr>
           <a:xfrm>
-            <a:off x="762000" y="9042400"/>
-            <a:ext cx="22860000" cy="3810000"/>
+            <a:off x="406400" y="6426200"/>
+            <a:ext cx="12192000" cy="2705100"/>
           </a:xfrm>
           <a:prstGeom prst="rect">
             <a:avLst/>
@@ -1929,7 +1927,7 @@
               <a:spcBef>
                 <a:spcPts val="0"/>
               </a:spcBef>
-              <a:defRPr sz="30300"/>
+              <a:defRPr sz="17000"/>
             </a:lvl1pPr>
           </a:lstStyle>
           <a:p>
@@ -1950,8 +1948,8 @@
         </p:nvSpPr>
         <p:spPr>
           <a:xfrm>
-            <a:off x="762000" y="5994400"/>
-            <a:ext cx="22860000" cy="2540000"/>
+            <a:off x="406400" y="4267200"/>
+            <a:ext cx="12192000" cy="1803400"/>
           </a:xfrm>
           <a:prstGeom prst="rect">
             <a:avLst/>
@@ -1965,13 +1963,13 @@
                 <a:spcPct val="80000"/>
               </a:lnSpc>
               <a:spcBef>
-                <a:spcPts val="3200"/>
+                <a:spcPts val="2300"/>
               </a:spcBef>
               <a:buClrTx/>
               <a:buSzTx/>
               <a:buFontTx/>
               <a:buNone/>
-              <a:defRPr cap="all" sz="7700">
+              <a:defRPr cap="all" sz="5400">
                 <a:solidFill>
                   <a:srgbClr val="A6AAA9"/>
                 </a:solidFill>
@@ -1986,13 +1984,13 @@
                 <a:spcPct val="80000"/>
               </a:lnSpc>
               <a:spcBef>
-                <a:spcPts val="3200"/>
+                <a:spcPts val="2300"/>
               </a:spcBef>
               <a:buClrTx/>
               <a:buSzTx/>
               <a:buFontTx/>
               <a:buNone/>
-              <a:defRPr cap="all" sz="7700">
+              <a:defRPr cap="all" sz="5400">
                 <a:solidFill>
                   <a:srgbClr val="A6AAA9"/>
                 </a:solidFill>
@@ -2007,13 +2005,13 @@
                 <a:spcPct val="80000"/>
               </a:lnSpc>
               <a:spcBef>
-                <a:spcPts val="3200"/>
+                <a:spcPts val="2300"/>
               </a:spcBef>
               <a:buClrTx/>
               <a:buSzTx/>
               <a:buFontTx/>
               <a:buNone/>
-              <a:defRPr cap="all" sz="7700">
+              <a:defRPr cap="all" sz="5400">
                 <a:solidFill>
                   <a:srgbClr val="A6AAA9"/>
                 </a:solidFill>
@@ -2028,13 +2026,13 @@
                 <a:spcPct val="80000"/>
               </a:lnSpc>
               <a:spcBef>
-                <a:spcPts val="3200"/>
+                <a:spcPts val="2300"/>
               </a:spcBef>
               <a:buClrTx/>
               <a:buSzTx/>
               <a:buFontTx/>
               <a:buNone/>
-              <a:defRPr cap="all" sz="7700">
+              <a:defRPr cap="all" sz="5400">
                 <a:solidFill>
                   <a:srgbClr val="A6AAA9"/>
                 </a:solidFill>
@@ -2049,13 +2047,13 @@
                 <a:spcPct val="80000"/>
               </a:lnSpc>
               <a:spcBef>
-                <a:spcPts val="3200"/>
+                <a:spcPts val="2300"/>
               </a:spcBef>
               <a:buClrTx/>
               <a:buSzTx/>
               <a:buFontTx/>
               <a:buNone/>
-              <a:defRPr cap="all" sz="7700">
+              <a:defRPr cap="all" sz="5400">
                 <a:solidFill>
                   <a:srgbClr val="A6AAA9"/>
                 </a:solidFill>
@@ -2108,8 +2106,8 @@
         </p:nvSpPr>
         <p:spPr>
           <a:xfrm>
-            <a:off x="23063199" y="609600"/>
-            <a:ext cx="553196" cy="635000"/>
+            <a:off x="12194440" y="431800"/>
+            <a:ext cx="406898" cy="457200"/>
           </a:xfrm>
           <a:prstGeom prst="rect">
             <a:avLst/>
@@ -2158,13 +2156,13 @@
         </p:nvSpPr>
         <p:spPr>
           <a:xfrm flipV="1">
-            <a:off x="762000" y="8635632"/>
-            <a:ext cx="22859999" cy="369"/>
+            <a:off x="406400" y="6140894"/>
+            <a:ext cx="12192000" cy="263"/>
           </a:xfrm>
           <a:prstGeom prst="line">
             <a:avLst/>
           </a:prstGeom>
-          <a:ln w="50800">
+          <a:ln w="38100">
             <a:solidFill>
               <a:srgbClr val="A6AAA9"/>
             </a:solidFill>
@@ -2202,8 +2200,8 @@
         </p:nvSpPr>
         <p:spPr>
           <a:xfrm>
-            <a:off x="762000" y="9042400"/>
-            <a:ext cx="22860000" cy="3810000"/>
+            <a:off x="406400" y="6426200"/>
+            <a:ext cx="12192000" cy="2705100"/>
           </a:xfrm>
           <a:prstGeom prst="rect">
             <a:avLst/>
@@ -2216,7 +2214,7 @@
               <a:spcBef>
                 <a:spcPts val="0"/>
               </a:spcBef>
-              <a:defRPr sz="30300"/>
+              <a:defRPr sz="17000"/>
             </a:lvl1pPr>
           </a:lstStyle>
           <a:p>
@@ -2237,8 +2235,8 @@
         </p:nvSpPr>
         <p:spPr>
           <a:xfrm>
-            <a:off x="762000" y="5994400"/>
-            <a:ext cx="22860000" cy="2540000"/>
+            <a:off x="406400" y="4267200"/>
+            <a:ext cx="12192000" cy="1803400"/>
           </a:xfrm>
           <a:prstGeom prst="rect">
             <a:avLst/>
@@ -2252,13 +2250,13 @@
                 <a:spcPct val="80000"/>
               </a:lnSpc>
               <a:spcBef>
-                <a:spcPts val="3200"/>
+                <a:spcPts val="2300"/>
               </a:spcBef>
               <a:buClrTx/>
               <a:buSzTx/>
               <a:buFontTx/>
               <a:buNone/>
-              <a:defRPr cap="all" sz="7700">
+              <a:defRPr cap="all" sz="5400">
                 <a:solidFill>
                   <a:srgbClr val="A6AAA9"/>
                 </a:solidFill>
@@ -2273,13 +2271,13 @@
                 <a:spcPct val="80000"/>
               </a:lnSpc>
               <a:spcBef>
-                <a:spcPts val="3200"/>
+                <a:spcPts val="2300"/>
               </a:spcBef>
               <a:buClrTx/>
               <a:buSzTx/>
               <a:buFontTx/>
               <a:buNone/>
-              <a:defRPr cap="all" sz="7700">
+              <a:defRPr cap="all" sz="5400">
                 <a:solidFill>
                   <a:srgbClr val="A6AAA9"/>
                 </a:solidFill>
@@ -2294,13 +2292,13 @@
                 <a:spcPct val="80000"/>
               </a:lnSpc>
               <a:spcBef>
-                <a:spcPts val="3200"/>
+                <a:spcPts val="2300"/>
               </a:spcBef>
               <a:buClrTx/>
               <a:buSzTx/>
               <a:buFontTx/>
               <a:buNone/>
-              <a:defRPr cap="all" sz="7700">
+              <a:defRPr cap="all" sz="5400">
                 <a:solidFill>
                   <a:srgbClr val="A6AAA9"/>
                 </a:solidFill>
@@ -2315,13 +2313,13 @@
                 <a:spcPct val="80000"/>
               </a:lnSpc>
               <a:spcBef>
-                <a:spcPts val="3200"/>
+                <a:spcPts val="2300"/>
               </a:spcBef>
               <a:buClrTx/>
               <a:buSzTx/>
               <a:buFontTx/>
               <a:buNone/>
-              <a:defRPr cap="all" sz="7700">
+              <a:defRPr cap="all" sz="5400">
                 <a:solidFill>
                   <a:srgbClr val="A6AAA9"/>
                 </a:solidFill>
@@ -2336,13 +2334,13 @@
                 <a:spcPct val="80000"/>
               </a:lnSpc>
               <a:spcBef>
-                <a:spcPts val="3200"/>
+                <a:spcPts val="2300"/>
               </a:spcBef>
               <a:buClrTx/>
               <a:buSzTx/>
               <a:buFontTx/>
               <a:buNone/>
-              <a:defRPr cap="all" sz="7700">
+              <a:defRPr cap="all" sz="5400">
                 <a:solidFill>
                   <a:srgbClr val="A6AAA9"/>
                 </a:solidFill>
@@ -2395,8 +2393,8 @@
         </p:nvSpPr>
         <p:spPr>
           <a:xfrm>
-            <a:off x="23013221" y="584200"/>
-            <a:ext cx="553195" cy="635000"/>
+            <a:off x="12161859" y="419100"/>
+            <a:ext cx="406898" cy="457200"/>
           </a:xfrm>
           <a:prstGeom prst="rect">
             <a:avLst/>
@@ -2454,8 +2452,8 @@
         </p:nvSpPr>
         <p:spPr>
           <a:xfrm>
-            <a:off x="762000" y="5676900"/>
-            <a:ext cx="22860000" cy="6350000"/>
+            <a:off x="406400" y="4038600"/>
+            <a:ext cx="12192000" cy="4521200"/>
           </a:xfrm>
           <a:prstGeom prst="rect">
             <a:avLst/>
@@ -2468,7 +2466,7 @@
               <a:spcBef>
                 <a:spcPts val="0"/>
               </a:spcBef>
-              <a:defRPr sz="30300"/>
+              <a:defRPr sz="17000"/>
             </a:lvl1pPr>
           </a:lstStyle>
           <a:p>
@@ -2489,8 +2487,8 @@
         </p:nvSpPr>
         <p:spPr>
           <a:xfrm>
-            <a:off x="23063199" y="609600"/>
-            <a:ext cx="553196" cy="635000"/>
+            <a:off x="12194440" y="431800"/>
+            <a:ext cx="406898" cy="457200"/>
           </a:xfrm>
           <a:prstGeom prst="rect">
             <a:avLst/>
@@ -2546,13 +2544,13 @@
         </p:nvSpPr>
         <p:spPr>
           <a:xfrm flipV="1">
-            <a:off x="11049000" y="8635798"/>
-            <a:ext cx="12572997" cy="203"/>
+            <a:off x="5892800" y="6141012"/>
+            <a:ext cx="6705600" cy="145"/>
           </a:xfrm>
           <a:prstGeom prst="line">
             <a:avLst/>
           </a:prstGeom>
-          <a:ln w="50800">
+          <a:ln w="38100">
             <a:solidFill>
               <a:srgbClr val="A6AAA9"/>
             </a:solidFill>
@@ -2591,7 +2589,7 @@
         <p:spPr>
           <a:xfrm>
             <a:off x="0" y="0"/>
-            <a:ext cx="10287000" cy="13716000"/>
+            <a:ext cx="5486400" cy="9753600"/>
           </a:xfrm>
           <a:prstGeom prst="rect">
             <a:avLst/>
@@ -2617,8 +2615,8 @@
         </p:nvSpPr>
         <p:spPr>
           <a:xfrm>
-            <a:off x="11049000" y="9042400"/>
-            <a:ext cx="12573000" cy="3810000"/>
+            <a:off x="5892800" y="6426200"/>
+            <a:ext cx="6705600" cy="2705100"/>
           </a:xfrm>
           <a:prstGeom prst="rect">
             <a:avLst/>
@@ -2631,7 +2629,7 @@
               <a:spcBef>
                 <a:spcPts val="0"/>
               </a:spcBef>
-              <a:defRPr sz="30300"/>
+              <a:defRPr sz="17000"/>
             </a:lvl1pPr>
           </a:lstStyle>
           <a:p>
@@ -2652,8 +2650,8 @@
         </p:nvSpPr>
         <p:spPr>
           <a:xfrm>
-            <a:off x="11049000" y="5994400"/>
-            <a:ext cx="12573000" cy="2540000"/>
+            <a:off x="5892800" y="4267200"/>
+            <a:ext cx="6705600" cy="1803400"/>
           </a:xfrm>
           <a:prstGeom prst="rect">
             <a:avLst/>
@@ -2667,13 +2665,13 @@
                 <a:spcPct val="80000"/>
               </a:lnSpc>
               <a:spcBef>
-                <a:spcPts val="3200"/>
+                <a:spcPts val="2300"/>
               </a:spcBef>
               <a:buClrTx/>
               <a:buSzTx/>
               <a:buFontTx/>
               <a:buNone/>
-              <a:defRPr cap="all" sz="7700">
+              <a:defRPr cap="all" sz="5400">
                 <a:solidFill>
                   <a:srgbClr val="A6AAA9"/>
                 </a:solidFill>
@@ -2688,13 +2686,13 @@
                 <a:spcPct val="80000"/>
               </a:lnSpc>
               <a:spcBef>
-                <a:spcPts val="3200"/>
+                <a:spcPts val="2300"/>
               </a:spcBef>
               <a:buClrTx/>
               <a:buSzTx/>
               <a:buFontTx/>
               <a:buNone/>
-              <a:defRPr cap="all" sz="7700">
+              <a:defRPr cap="all" sz="5400">
                 <a:solidFill>
                   <a:srgbClr val="A6AAA9"/>
                 </a:solidFill>
@@ -2709,13 +2707,13 @@
                 <a:spcPct val="80000"/>
               </a:lnSpc>
               <a:spcBef>
-                <a:spcPts val="3200"/>
+                <a:spcPts val="2300"/>
               </a:spcBef>
               <a:buClrTx/>
               <a:buSzTx/>
               <a:buFontTx/>
               <a:buNone/>
-              <a:defRPr cap="all" sz="7700">
+              <a:defRPr cap="all" sz="5400">
                 <a:solidFill>
                   <a:srgbClr val="A6AAA9"/>
                 </a:solidFill>
@@ -2730,13 +2728,13 @@
                 <a:spcPct val="80000"/>
               </a:lnSpc>
               <a:spcBef>
-                <a:spcPts val="3200"/>
+                <a:spcPts val="2300"/>
               </a:spcBef>
               <a:buClrTx/>
               <a:buSzTx/>
               <a:buFontTx/>
               <a:buNone/>
-              <a:defRPr cap="all" sz="7700">
+              <a:defRPr cap="all" sz="5400">
                 <a:solidFill>
                   <a:srgbClr val="A6AAA9"/>
                 </a:solidFill>
@@ -2751,13 +2749,13 @@
                 <a:spcPct val="80000"/>
               </a:lnSpc>
               <a:spcBef>
-                <a:spcPts val="3200"/>
+                <a:spcPts val="2300"/>
               </a:spcBef>
               <a:buClrTx/>
               <a:buSzTx/>
               <a:buFontTx/>
               <a:buNone/>
-              <a:defRPr cap="all" sz="7700">
+              <a:defRPr cap="all" sz="5400">
                 <a:solidFill>
                   <a:srgbClr val="A6AAA9"/>
                 </a:solidFill>
@@ -2810,8 +2808,8 @@
         </p:nvSpPr>
         <p:spPr>
           <a:xfrm>
-            <a:off x="23063199" y="609600"/>
-            <a:ext cx="553196" cy="635000"/>
+            <a:off x="12194440" y="431800"/>
+            <a:ext cx="406898" cy="457200"/>
           </a:xfrm>
           <a:prstGeom prst="rect">
             <a:avLst/>
@@ -2862,8 +2860,8 @@
         </p:nvSpPr>
         <p:spPr>
           <a:xfrm>
-            <a:off x="762000" y="635000"/>
-            <a:ext cx="20955000" cy="635000"/>
+            <a:off x="406400" y="457200"/>
+            <a:ext cx="11176000" cy="457200"/>
           </a:xfrm>
           <a:prstGeom prst="rect">
             <a:avLst/>
@@ -2874,7 +2872,7 @@
             <a:spAutoFit/>
           </a:bodyPr>
           <a:lstStyle>
-            <a:lvl1pPr marL="0" indent="0" defTabSz="647700">
+            <a:lvl1pPr marL="0" indent="0" defTabSz="457200">
               <a:lnSpc>
                 <a:spcPct val="80000"/>
               </a:lnSpc>
@@ -2885,7 +2883,7 @@
               <a:buSzTx/>
               <a:buFontTx/>
               <a:buNone/>
-              <a:defRPr cap="all" spc="180" sz="3600">
+              <a:defRPr cap="all" spc="120" sz="2400">
                 <a:latin typeface="DIN Alternate"/>
                 <a:ea typeface="DIN Alternate"/>
                 <a:cs typeface="DIN Alternate"/>
@@ -2990,8 +2988,8 @@
         </p:nvSpPr>
         <p:spPr>
           <a:xfrm>
-            <a:off x="762000" y="635000"/>
-            <a:ext cx="20955000" cy="635000"/>
+            <a:off x="406400" y="457200"/>
+            <a:ext cx="11176000" cy="457200"/>
           </a:xfrm>
           <a:prstGeom prst="rect">
             <a:avLst/>
@@ -3002,7 +3000,7 @@
             <a:spAutoFit/>
           </a:bodyPr>
           <a:lstStyle>
-            <a:lvl1pPr marL="0" indent="0" defTabSz="647700">
+            <a:lvl1pPr marL="0" indent="0" defTabSz="457200">
               <a:lnSpc>
                 <a:spcPct val="80000"/>
               </a:lnSpc>
@@ -3013,7 +3011,7 @@
               <a:buSzTx/>
               <a:buFontTx/>
               <a:buNone/>
-              <a:defRPr cap="all" spc="180" sz="3600">
+              <a:defRPr cap="all" spc="120" sz="2400">
                 <a:latin typeface="DIN Alternate"/>
                 <a:ea typeface="DIN Alternate"/>
                 <a:cs typeface="DIN Alternate"/>
@@ -3190,8 +3188,8 @@
         </p:nvSpPr>
         <p:spPr>
           <a:xfrm>
-            <a:off x="762000" y="635000"/>
-            <a:ext cx="20955000" cy="635000"/>
+            <a:off x="406400" y="457200"/>
+            <a:ext cx="11176000" cy="457200"/>
           </a:xfrm>
           <a:prstGeom prst="rect">
             <a:avLst/>
@@ -3202,7 +3200,7 @@
             <a:spAutoFit/>
           </a:bodyPr>
           <a:lstStyle>
-            <a:lvl1pPr marL="0" indent="0" defTabSz="647700">
+            <a:lvl1pPr marL="0" indent="0" defTabSz="457200">
               <a:lnSpc>
                 <a:spcPct val="80000"/>
               </a:lnSpc>
@@ -3213,7 +3211,7 @@
               <a:buSzTx/>
               <a:buFontTx/>
               <a:buNone/>
-              <a:defRPr cap="all" spc="180" sz="3600">
+              <a:defRPr cap="all" spc="120" sz="2400">
                 <a:latin typeface="DIN Alternate"/>
                 <a:ea typeface="DIN Alternate"/>
                 <a:cs typeface="DIN Alternate"/>
@@ -3397,8 +3395,8 @@
         </p:nvSpPr>
         <p:spPr>
           <a:xfrm>
-            <a:off x="762000" y="635000"/>
-            <a:ext cx="20955000" cy="635000"/>
+            <a:off x="406400" y="457200"/>
+            <a:ext cx="11176000" cy="457200"/>
           </a:xfrm>
           <a:prstGeom prst="rect">
             <a:avLst/>
@@ -3409,7 +3407,7 @@
             <a:spAutoFit/>
           </a:bodyPr>
           <a:lstStyle>
-            <a:lvl1pPr marL="0" indent="0" defTabSz="647700">
+            <a:lvl1pPr marL="0" indent="0" defTabSz="457200">
               <a:lnSpc>
                 <a:spcPct val="80000"/>
               </a:lnSpc>
@@ -3420,7 +3418,7 @@
               <a:buSzTx/>
               <a:buFontTx/>
               <a:buNone/>
-              <a:defRPr cap="all" spc="180" sz="3600">
+              <a:defRPr cap="all" spc="120" sz="2400">
                 <a:latin typeface="DIN Alternate"/>
                 <a:ea typeface="DIN Alternate"/>
                 <a:cs typeface="DIN Alternate"/>
@@ -3446,8 +3444,8 @@
         </p:nvSpPr>
         <p:spPr>
           <a:xfrm>
-            <a:off x="13335000" y="2159000"/>
-            <a:ext cx="10287000" cy="10795000"/>
+            <a:off x="7112000" y="1536700"/>
+            <a:ext cx="5486400" cy="7797800"/>
           </a:xfrm>
           <a:prstGeom prst="rect">
             <a:avLst/>
@@ -3473,8 +3471,8 @@
         </p:nvSpPr>
         <p:spPr>
           <a:xfrm>
-            <a:off x="762000" y="2159000"/>
-            <a:ext cx="11811000" cy="1016000"/>
+            <a:off x="406400" y="1536700"/>
+            <a:ext cx="6299200" cy="723900"/>
           </a:xfrm>
           <a:prstGeom prst="rect">
             <a:avLst/>
@@ -3501,8 +3499,8 @@
         </p:nvSpPr>
         <p:spPr>
           <a:xfrm>
-            <a:off x="762000" y="3860800"/>
-            <a:ext cx="11811000" cy="8585200"/>
+            <a:off x="406400" y="2743200"/>
+            <a:ext cx="6299200" cy="6108700"/>
           </a:xfrm>
           <a:prstGeom prst="rect">
             <a:avLst/>
@@ -3516,35 +3514,35 @@
                 <a:schemeClr val="accent1"/>
               </a:buClr>
               <a:buChar char="▸"/>
-              <a:defRPr sz="4000"/>
+              <a:defRPr sz="2800"/>
             </a:lvl1pPr>
             <a:lvl2pPr>
               <a:buClr>
                 <a:schemeClr val="accent1"/>
               </a:buClr>
               <a:buChar char="▸"/>
-              <a:defRPr sz="4000"/>
+              <a:defRPr sz="2800"/>
             </a:lvl2pPr>
             <a:lvl3pPr>
               <a:buClr>
                 <a:schemeClr val="accent1"/>
               </a:buClr>
               <a:buChar char="▸"/>
-              <a:defRPr sz="4000"/>
+              <a:defRPr sz="2800"/>
             </a:lvl3pPr>
             <a:lvl4pPr>
               <a:buClr>
                 <a:schemeClr val="accent1"/>
               </a:buClr>
               <a:buChar char="▸"/>
-              <a:defRPr sz="4000"/>
+              <a:defRPr sz="2800"/>
             </a:lvl4pPr>
             <a:lvl5pPr>
               <a:buClr>
                 <a:schemeClr val="accent1"/>
               </a:buClr>
               <a:buChar char="▸"/>
-              <a:defRPr sz="4000"/>
+              <a:defRPr sz="2800"/>
             </a:lvl5pPr>
           </a:lstStyle>
           <a:p>
@@ -3642,8 +3640,8 @@
         </p:nvSpPr>
         <p:spPr>
           <a:xfrm flipV="1">
-            <a:off x="762000" y="1396632"/>
-            <a:ext cx="22859999" cy="369"/>
+            <a:off x="406400" y="993160"/>
+            <a:ext cx="12192000" cy="263"/>
           </a:xfrm>
           <a:prstGeom prst="line">
             <a:avLst/>
@@ -3686,8 +3684,8 @@
         </p:nvSpPr>
         <p:spPr>
           <a:xfrm>
-            <a:off x="762000" y="2159000"/>
-            <a:ext cx="22860000" cy="1016000"/>
+            <a:off x="406400" y="1536700"/>
+            <a:ext cx="12192000" cy="723900"/>
           </a:xfrm>
           <a:prstGeom prst="rect">
             <a:avLst/>
@@ -3724,8 +3722,8 @@
         </p:nvSpPr>
         <p:spPr>
           <a:xfrm>
-            <a:off x="762000" y="3860800"/>
-            <a:ext cx="22860000" cy="8585200"/>
+            <a:off x="406400" y="2743200"/>
+            <a:ext cx="12192000" cy="6108700"/>
           </a:xfrm>
           <a:prstGeom prst="rect">
             <a:avLst/>
@@ -3786,8 +3784,8 @@
         </p:nvSpPr>
         <p:spPr>
           <a:xfrm>
-            <a:off x="23059652" y="609600"/>
-            <a:ext cx="553196" cy="635000"/>
+            <a:off x="12186622" y="431800"/>
+            <a:ext cx="406897" cy="457200"/>
           </a:xfrm>
           <a:prstGeom prst="rect">
             <a:avLst/>
@@ -3808,7 +3806,7 @@
               <a:spcBef>
                 <a:spcPts val="0"/>
               </a:spcBef>
-              <a:defRPr sz="3600">
+              <a:defRPr sz="2400">
                 <a:latin typeface="DIN Alternate"/>
                 <a:ea typeface="DIN Alternate"/>
                 <a:cs typeface="DIN Alternate"/>
@@ -3846,12 +3844,12 @@
   <p:transition xmlns:p14="http://schemas.microsoft.com/office/powerpoint/2010/main" spd="med" advClick="1"/>
   <p:txStyles>
     <p:titleStyle>
-      <a:lvl1pPr marL="0" marR="0" indent="0" algn="l" defTabSz="825500" rtl="0" latinLnBrk="0">
+      <a:lvl1pPr marL="0" marR="0" indent="0" algn="l" defTabSz="584200" rtl="0" latinLnBrk="0">
         <a:lnSpc>
           <a:spcPct val="80000"/>
         </a:lnSpc>
         <a:spcBef>
-          <a:spcPts val="3900"/>
+          <a:spcPts val="2800"/>
         </a:spcBef>
         <a:spcAft>
           <a:spcPts val="0"/>
@@ -3861,7 +3859,7 @@
         <a:buFontTx/>
         <a:buNone/>
         <a:tabLst/>
-        <a:defRPr b="0" baseline="0" cap="all" i="0" spc="0" strike="noStrike" sz="8700" u="none">
+        <a:defRPr b="0" baseline="0" cap="all" i="0" spc="0" strike="noStrike" sz="6000" u="none">
           <a:ln>
             <a:noFill/>
           </a:ln>
@@ -3875,12 +3873,12 @@
           <a:sym typeface="DIN Condensed"/>
         </a:defRPr>
       </a:lvl1pPr>
-      <a:lvl2pPr marL="0" marR="0" indent="0" algn="l" defTabSz="825500" rtl="0" latinLnBrk="0">
+      <a:lvl2pPr marL="0" marR="0" indent="0" algn="l" defTabSz="584200" rtl="0" latinLnBrk="0">
         <a:lnSpc>
           <a:spcPct val="80000"/>
         </a:lnSpc>
         <a:spcBef>
-          <a:spcPts val="3900"/>
+          <a:spcPts val="2800"/>
         </a:spcBef>
         <a:spcAft>
           <a:spcPts val="0"/>
@@ -3890,7 +3888,7 @@
         <a:buFontTx/>
         <a:buNone/>
         <a:tabLst/>
-        <a:defRPr b="0" baseline="0" cap="all" i="0" spc="0" strike="noStrike" sz="8700" u="none">
+        <a:defRPr b="0" baseline="0" cap="all" i="0" spc="0" strike="noStrike" sz="6000" u="none">
           <a:ln>
             <a:noFill/>
           </a:ln>
@@ -3904,12 +3902,12 @@
           <a:sym typeface="DIN Condensed"/>
         </a:defRPr>
       </a:lvl2pPr>
-      <a:lvl3pPr marL="0" marR="0" indent="0" algn="l" defTabSz="825500" rtl="0" latinLnBrk="0">
+      <a:lvl3pPr marL="0" marR="0" indent="0" algn="l" defTabSz="584200" rtl="0" latinLnBrk="0">
         <a:lnSpc>
           <a:spcPct val="80000"/>
         </a:lnSpc>
         <a:spcBef>
-          <a:spcPts val="3900"/>
+          <a:spcPts val="2800"/>
         </a:spcBef>
         <a:spcAft>
           <a:spcPts val="0"/>
@@ -3919,7 +3917,7 @@
         <a:buFontTx/>
         <a:buNone/>
         <a:tabLst/>
-        <a:defRPr b="0" baseline="0" cap="all" i="0" spc="0" strike="noStrike" sz="8700" u="none">
+        <a:defRPr b="0" baseline="0" cap="all" i="0" spc="0" strike="noStrike" sz="6000" u="none">
           <a:ln>
             <a:noFill/>
           </a:ln>
@@ -3933,12 +3931,12 @@
           <a:sym typeface="DIN Condensed"/>
         </a:defRPr>
       </a:lvl3pPr>
-      <a:lvl4pPr marL="0" marR="0" indent="0" algn="l" defTabSz="825500" rtl="0" latinLnBrk="0">
+      <a:lvl4pPr marL="0" marR="0" indent="0" algn="l" defTabSz="584200" rtl="0" latinLnBrk="0">
         <a:lnSpc>
           <a:spcPct val="80000"/>
         </a:lnSpc>
         <a:spcBef>
-          <a:spcPts val="3900"/>
+          <a:spcPts val="2800"/>
         </a:spcBef>
         <a:spcAft>
           <a:spcPts val="0"/>
@@ -3948,7 +3946,7 @@
         <a:buFontTx/>
         <a:buNone/>
         <a:tabLst/>
-        <a:defRPr b="0" baseline="0" cap="all" i="0" spc="0" strike="noStrike" sz="8700" u="none">
+        <a:defRPr b="0" baseline="0" cap="all" i="0" spc="0" strike="noStrike" sz="6000" u="none">
           <a:ln>
             <a:noFill/>
           </a:ln>
@@ -3962,12 +3960,12 @@
           <a:sym typeface="DIN Condensed"/>
         </a:defRPr>
       </a:lvl4pPr>
-      <a:lvl5pPr marL="0" marR="0" indent="0" algn="l" defTabSz="825500" rtl="0" latinLnBrk="0">
+      <a:lvl5pPr marL="0" marR="0" indent="0" algn="l" defTabSz="584200" rtl="0" latinLnBrk="0">
         <a:lnSpc>
           <a:spcPct val="80000"/>
         </a:lnSpc>
         <a:spcBef>
-          <a:spcPts val="3900"/>
+          <a:spcPts val="2800"/>
         </a:spcBef>
         <a:spcAft>
           <a:spcPts val="0"/>
@@ -3977,7 +3975,7 @@
         <a:buFontTx/>
         <a:buNone/>
         <a:tabLst/>
-        <a:defRPr b="0" baseline="0" cap="all" i="0" spc="0" strike="noStrike" sz="8700" u="none">
+        <a:defRPr b="0" baseline="0" cap="all" i="0" spc="0" strike="noStrike" sz="6000" u="none">
           <a:ln>
             <a:noFill/>
           </a:ln>
@@ -3991,12 +3989,12 @@
           <a:sym typeface="DIN Condensed"/>
         </a:defRPr>
       </a:lvl5pPr>
-      <a:lvl6pPr marL="0" marR="0" indent="0" algn="l" defTabSz="825500" rtl="0" latinLnBrk="0">
+      <a:lvl6pPr marL="0" marR="0" indent="0" algn="l" defTabSz="584200" rtl="0" latinLnBrk="0">
         <a:lnSpc>
           <a:spcPct val="80000"/>
         </a:lnSpc>
         <a:spcBef>
-          <a:spcPts val="3900"/>
+          <a:spcPts val="2800"/>
         </a:spcBef>
         <a:spcAft>
           <a:spcPts val="0"/>
@@ -4006,7 +4004,7 @@
         <a:buFontTx/>
         <a:buNone/>
         <a:tabLst/>
-        <a:defRPr b="0" baseline="0" cap="all" i="0" spc="0" strike="noStrike" sz="8700" u="none">
+        <a:defRPr b="0" baseline="0" cap="all" i="0" spc="0" strike="noStrike" sz="6000" u="none">
           <a:ln>
             <a:noFill/>
           </a:ln>
@@ -4020,12 +4018,12 @@
           <a:sym typeface="DIN Condensed"/>
         </a:defRPr>
       </a:lvl6pPr>
-      <a:lvl7pPr marL="0" marR="0" indent="0" algn="l" defTabSz="825500" rtl="0" latinLnBrk="0">
+      <a:lvl7pPr marL="0" marR="0" indent="0" algn="l" defTabSz="584200" rtl="0" latinLnBrk="0">
         <a:lnSpc>
           <a:spcPct val="80000"/>
         </a:lnSpc>
         <a:spcBef>
-          <a:spcPts val="3900"/>
+          <a:spcPts val="2800"/>
         </a:spcBef>
         <a:spcAft>
           <a:spcPts val="0"/>
@@ -4035,7 +4033,7 @@
         <a:buFontTx/>
         <a:buNone/>
         <a:tabLst/>
-        <a:defRPr b="0" baseline="0" cap="all" i="0" spc="0" strike="noStrike" sz="8700" u="none">
+        <a:defRPr b="0" baseline="0" cap="all" i="0" spc="0" strike="noStrike" sz="6000" u="none">
           <a:ln>
             <a:noFill/>
           </a:ln>
@@ -4049,12 +4047,12 @@
           <a:sym typeface="DIN Condensed"/>
         </a:defRPr>
       </a:lvl7pPr>
-      <a:lvl8pPr marL="0" marR="0" indent="0" algn="l" defTabSz="825500" rtl="0" latinLnBrk="0">
+      <a:lvl8pPr marL="0" marR="0" indent="0" algn="l" defTabSz="584200" rtl="0" latinLnBrk="0">
         <a:lnSpc>
           <a:spcPct val="80000"/>
         </a:lnSpc>
         <a:spcBef>
-          <a:spcPts val="3900"/>
+          <a:spcPts val="2800"/>
         </a:spcBef>
         <a:spcAft>
           <a:spcPts val="0"/>
@@ -4064,7 +4062,7 @@
         <a:buFontTx/>
         <a:buNone/>
         <a:tabLst/>
-        <a:defRPr b="0" baseline="0" cap="all" i="0" spc="0" strike="noStrike" sz="8700" u="none">
+        <a:defRPr b="0" baseline="0" cap="all" i="0" spc="0" strike="noStrike" sz="6000" u="none">
           <a:ln>
             <a:noFill/>
           </a:ln>
@@ -4078,12 +4076,12 @@
           <a:sym typeface="DIN Condensed"/>
         </a:defRPr>
       </a:lvl8pPr>
-      <a:lvl9pPr marL="0" marR="0" indent="0" algn="l" defTabSz="825500" rtl="0" latinLnBrk="0">
+      <a:lvl9pPr marL="0" marR="0" indent="0" algn="l" defTabSz="584200" rtl="0" latinLnBrk="0">
         <a:lnSpc>
           <a:spcPct val="80000"/>
         </a:lnSpc>
         <a:spcBef>
-          <a:spcPts val="3900"/>
+          <a:spcPts val="2800"/>
         </a:spcBef>
         <a:spcAft>
           <a:spcPts val="0"/>
@@ -4093,7 +4091,7 @@
         <a:buFontTx/>
         <a:buNone/>
         <a:tabLst/>
-        <a:defRPr b="0" baseline="0" cap="all" i="0" spc="0" strike="noStrike" sz="8700" u="none">
+        <a:defRPr b="0" baseline="0" cap="all" i="0" spc="0" strike="noStrike" sz="6000" u="none">
           <a:ln>
             <a:noFill/>
           </a:ln>
@@ -4109,12 +4107,12 @@
       </a:lvl9pPr>
     </p:titleStyle>
     <p:bodyStyle>
-      <a:lvl1pPr marL="635000" marR="0" indent="-635000" algn="l" defTabSz="825500" latinLnBrk="0">
+      <a:lvl1pPr marL="444500" marR="0" indent="-444500" algn="l" defTabSz="584200" latinLnBrk="0">
         <a:lnSpc>
           <a:spcPct val="100000"/>
         </a:lnSpc>
         <a:spcBef>
-          <a:spcPts val="3900"/>
+          <a:spcPts val="2800"/>
         </a:spcBef>
         <a:spcAft>
           <a:spcPts val="0"/>
@@ -4128,7 +4126,7 @@
         <a:buFont typeface="Avenir Next"/>
         <a:buChar char="‣"/>
         <a:tabLst/>
-        <a:defRPr b="0" baseline="0" cap="none" i="0" spc="0" strike="noStrike" sz="4800" u="none">
+        <a:defRPr b="0" baseline="0" cap="none" i="0" spc="0" strike="noStrike" sz="3400" u="none">
           <a:ln>
             <a:noFill/>
           </a:ln>
@@ -4142,12 +4140,12 @@
           <a:sym typeface="Avenir Next Medium"/>
         </a:defRPr>
       </a:lvl1pPr>
-      <a:lvl2pPr marL="1270000" marR="0" indent="-635000" algn="l" defTabSz="825500" latinLnBrk="0">
+      <a:lvl2pPr marL="889000" marR="0" indent="-444500" algn="l" defTabSz="584200" latinLnBrk="0">
         <a:lnSpc>
           <a:spcPct val="100000"/>
         </a:lnSpc>
         <a:spcBef>
-          <a:spcPts val="3900"/>
+          <a:spcPts val="2800"/>
         </a:spcBef>
         <a:spcAft>
           <a:spcPts val="0"/>
@@ -4161,7 +4159,7 @@
         <a:buFont typeface="Avenir Next"/>
         <a:buChar char="‣"/>
         <a:tabLst/>
-        <a:defRPr b="0" baseline="0" cap="none" i="0" spc="0" strike="noStrike" sz="4800" u="none">
+        <a:defRPr b="0" baseline="0" cap="none" i="0" spc="0" strike="noStrike" sz="3400" u="none">
           <a:ln>
             <a:noFill/>
           </a:ln>
@@ -4175,12 +4173,12 @@
           <a:sym typeface="Avenir Next Medium"/>
         </a:defRPr>
       </a:lvl2pPr>
-      <a:lvl3pPr marL="1905000" marR="0" indent="-635000" algn="l" defTabSz="825500" latinLnBrk="0">
+      <a:lvl3pPr marL="1333500" marR="0" indent="-444500" algn="l" defTabSz="584200" latinLnBrk="0">
         <a:lnSpc>
           <a:spcPct val="100000"/>
         </a:lnSpc>
         <a:spcBef>
-          <a:spcPts val="3900"/>
+          <a:spcPts val="2800"/>
         </a:spcBef>
         <a:spcAft>
           <a:spcPts val="0"/>
@@ -4194,7 +4192,7 @@
         <a:buFont typeface="Avenir Next"/>
         <a:buChar char="‣"/>
         <a:tabLst/>
-        <a:defRPr b="0" baseline="0" cap="none" i="0" spc="0" strike="noStrike" sz="4800" u="none">
+        <a:defRPr b="0" baseline="0" cap="none" i="0" spc="0" strike="noStrike" sz="3400" u="none">
           <a:ln>
             <a:noFill/>
           </a:ln>
@@ -4208,12 +4206,12 @@
           <a:sym typeface="Avenir Next Medium"/>
         </a:defRPr>
       </a:lvl3pPr>
-      <a:lvl4pPr marL="2540000" marR="0" indent="-635000" algn="l" defTabSz="825500" latinLnBrk="0">
+      <a:lvl4pPr marL="1778000" marR="0" indent="-444500" algn="l" defTabSz="584200" latinLnBrk="0">
         <a:lnSpc>
           <a:spcPct val="100000"/>
         </a:lnSpc>
         <a:spcBef>
-          <a:spcPts val="3900"/>
+          <a:spcPts val="2800"/>
         </a:spcBef>
         <a:spcAft>
           <a:spcPts val="0"/>
@@ -4227,7 +4225,7 @@
         <a:buFont typeface="Avenir Next"/>
         <a:buChar char="‣"/>
         <a:tabLst/>
-        <a:defRPr b="0" baseline="0" cap="none" i="0" spc="0" strike="noStrike" sz="4800" u="none">
+        <a:defRPr b="0" baseline="0" cap="none" i="0" spc="0" strike="noStrike" sz="3400" u="none">
           <a:ln>
             <a:noFill/>
           </a:ln>
@@ -4241,12 +4239,12 @@
           <a:sym typeface="Avenir Next Medium"/>
         </a:defRPr>
       </a:lvl4pPr>
-      <a:lvl5pPr marL="3175000" marR="0" indent="-635000" algn="l" defTabSz="825500" latinLnBrk="0">
+      <a:lvl5pPr marL="2222500" marR="0" indent="-444500" algn="l" defTabSz="584200" latinLnBrk="0">
         <a:lnSpc>
           <a:spcPct val="100000"/>
         </a:lnSpc>
         <a:spcBef>
-          <a:spcPts val="3900"/>
+          <a:spcPts val="2800"/>
         </a:spcBef>
         <a:spcAft>
           <a:spcPts val="0"/>
@@ -4260,7 +4258,7 @@
         <a:buFont typeface="Avenir Next"/>
         <a:buChar char="‣"/>
         <a:tabLst/>
-        <a:defRPr b="0" baseline="0" cap="none" i="0" spc="0" strike="noStrike" sz="4800" u="none">
+        <a:defRPr b="0" baseline="0" cap="none" i="0" spc="0" strike="noStrike" sz="3400" u="none">
           <a:ln>
             <a:noFill/>
           </a:ln>
@@ -4274,12 +4272,12 @@
           <a:sym typeface="Avenir Next Medium"/>
         </a:defRPr>
       </a:lvl5pPr>
-      <a:lvl6pPr marL="3810000" marR="0" indent="-635000" algn="l" defTabSz="825500" latinLnBrk="0">
+      <a:lvl6pPr marL="2667000" marR="0" indent="-444500" algn="l" defTabSz="584200" latinLnBrk="0">
         <a:lnSpc>
           <a:spcPct val="100000"/>
         </a:lnSpc>
         <a:spcBef>
-          <a:spcPts val="3900"/>
+          <a:spcPts val="2800"/>
         </a:spcBef>
         <a:spcAft>
           <a:spcPts val="0"/>
@@ -4293,7 +4291,7 @@
         <a:buFont typeface="Avenir Next"/>
         <a:buChar char="‣"/>
         <a:tabLst/>
-        <a:defRPr b="0" baseline="0" cap="none" i="0" spc="0" strike="noStrike" sz="4800" u="none">
+        <a:defRPr b="0" baseline="0" cap="none" i="0" spc="0" strike="noStrike" sz="3400" u="none">
           <a:ln>
             <a:noFill/>
           </a:ln>
@@ -4307,12 +4305,12 @@
           <a:sym typeface="Avenir Next Medium"/>
         </a:defRPr>
       </a:lvl6pPr>
-      <a:lvl7pPr marL="4445000" marR="0" indent="-635000" algn="l" defTabSz="825500" latinLnBrk="0">
+      <a:lvl7pPr marL="3111500" marR="0" indent="-444500" algn="l" defTabSz="584200" latinLnBrk="0">
         <a:lnSpc>
           <a:spcPct val="100000"/>
         </a:lnSpc>
         <a:spcBef>
-          <a:spcPts val="3900"/>
+          <a:spcPts val="2800"/>
         </a:spcBef>
         <a:spcAft>
           <a:spcPts val="0"/>
@@ -4326,7 +4324,7 @@
         <a:buFont typeface="Avenir Next"/>
         <a:buChar char="‣"/>
         <a:tabLst/>
-        <a:defRPr b="0" baseline="0" cap="none" i="0" spc="0" strike="noStrike" sz="4800" u="none">
+        <a:defRPr b="0" baseline="0" cap="none" i="0" spc="0" strike="noStrike" sz="3400" u="none">
           <a:ln>
             <a:noFill/>
           </a:ln>
@@ -4340,12 +4338,12 @@
           <a:sym typeface="Avenir Next Medium"/>
         </a:defRPr>
       </a:lvl7pPr>
-      <a:lvl8pPr marL="5080000" marR="0" indent="-635000" algn="l" defTabSz="825500" latinLnBrk="0">
+      <a:lvl8pPr marL="3556000" marR="0" indent="-444500" algn="l" defTabSz="584200" latinLnBrk="0">
         <a:lnSpc>
           <a:spcPct val="100000"/>
         </a:lnSpc>
         <a:spcBef>
-          <a:spcPts val="3900"/>
+          <a:spcPts val="2800"/>
         </a:spcBef>
         <a:spcAft>
           <a:spcPts val="0"/>
@@ -4359,7 +4357,7 @@
         <a:buFont typeface="Avenir Next"/>
         <a:buChar char="‣"/>
         <a:tabLst/>
-        <a:defRPr b="0" baseline="0" cap="none" i="0" spc="0" strike="noStrike" sz="4800" u="none">
+        <a:defRPr b="0" baseline="0" cap="none" i="0" spc="0" strike="noStrike" sz="3400" u="none">
           <a:ln>
             <a:noFill/>
           </a:ln>
@@ -4373,12 +4371,12 @@
           <a:sym typeface="Avenir Next Medium"/>
         </a:defRPr>
       </a:lvl8pPr>
-      <a:lvl9pPr marL="5715000" marR="0" indent="-635000" algn="l" defTabSz="825500" latinLnBrk="0">
+      <a:lvl9pPr marL="4000500" marR="0" indent="-444500" algn="l" defTabSz="584200" latinLnBrk="0">
         <a:lnSpc>
           <a:spcPct val="100000"/>
         </a:lnSpc>
         <a:spcBef>
-          <a:spcPts val="3900"/>
+          <a:spcPts val="2800"/>
         </a:spcBef>
         <a:spcAft>
           <a:spcPts val="0"/>
@@ -4392,7 +4390,7 @@
         <a:buFont typeface="Avenir Next"/>
         <a:buChar char="‣"/>
         <a:tabLst/>
-        <a:defRPr b="0" baseline="0" cap="none" i="0" spc="0" strike="noStrike" sz="4800" u="none">
+        <a:defRPr b="0" baseline="0" cap="none" i="0" spc="0" strike="noStrike" sz="3400" u="none">
           <a:ln>
             <a:noFill/>
           </a:ln>
@@ -4408,7 +4406,7 @@
       </a:lvl9pPr>
     </p:bodyStyle>
     <p:otherStyle>
-      <a:lvl1pPr marL="0" marR="0" indent="0" algn="r" defTabSz="825500" latinLnBrk="0">
+      <a:lvl1pPr marL="0" marR="0" indent="0" algn="r" defTabSz="584200" latinLnBrk="0">
         <a:lnSpc>
           <a:spcPct val="80000"/>
         </a:lnSpc>
@@ -4423,7 +4421,7 @@
         <a:buFontTx/>
         <a:buNone/>
         <a:tabLst/>
-        <a:defRPr b="0" baseline="0" cap="none" i="0" spc="0" strike="noStrike" sz="3600" u="none">
+        <a:defRPr b="0" baseline="0" cap="none" i="0" spc="0" strike="noStrike" sz="2400" u="none">
           <a:ln>
             <a:noFill/>
           </a:ln>
@@ -4437,7 +4435,7 @@
           <a:sym typeface="DIN Alternate"/>
         </a:defRPr>
       </a:lvl1pPr>
-      <a:lvl2pPr marL="0" marR="0" indent="228600" algn="r" defTabSz="825500" latinLnBrk="0">
+      <a:lvl2pPr marL="0" marR="0" indent="228600" algn="r" defTabSz="584200" latinLnBrk="0">
         <a:lnSpc>
           <a:spcPct val="80000"/>
         </a:lnSpc>
@@ -4452,7 +4450,7 @@
         <a:buFontTx/>
         <a:buNone/>
         <a:tabLst/>
-        <a:defRPr b="0" baseline="0" cap="none" i="0" spc="0" strike="noStrike" sz="3600" u="none">
+        <a:defRPr b="0" baseline="0" cap="none" i="0" spc="0" strike="noStrike" sz="2400" u="none">
           <a:ln>
             <a:noFill/>
           </a:ln>
@@ -4466,7 +4464,7 @@
           <a:sym typeface="DIN Alternate"/>
         </a:defRPr>
       </a:lvl2pPr>
-      <a:lvl3pPr marL="0" marR="0" indent="457200" algn="r" defTabSz="825500" latinLnBrk="0">
+      <a:lvl3pPr marL="0" marR="0" indent="457200" algn="r" defTabSz="584200" latinLnBrk="0">
         <a:lnSpc>
           <a:spcPct val="80000"/>
         </a:lnSpc>
@@ -4481,7 +4479,7 @@
         <a:buFontTx/>
         <a:buNone/>
         <a:tabLst/>
-        <a:defRPr b="0" baseline="0" cap="none" i="0" spc="0" strike="noStrike" sz="3600" u="none">
+        <a:defRPr b="0" baseline="0" cap="none" i="0" spc="0" strike="noStrike" sz="2400" u="none">
           <a:ln>
             <a:noFill/>
           </a:ln>
@@ -4495,7 +4493,7 @@
           <a:sym typeface="DIN Alternate"/>
         </a:defRPr>
       </a:lvl3pPr>
-      <a:lvl4pPr marL="0" marR="0" indent="685800" algn="r" defTabSz="825500" latinLnBrk="0">
+      <a:lvl4pPr marL="0" marR="0" indent="685800" algn="r" defTabSz="584200" latinLnBrk="0">
         <a:lnSpc>
           <a:spcPct val="80000"/>
         </a:lnSpc>
@@ -4510,7 +4508,7 @@
         <a:buFontTx/>
         <a:buNone/>
         <a:tabLst/>
-        <a:defRPr b="0" baseline="0" cap="none" i="0" spc="0" strike="noStrike" sz="3600" u="none">
+        <a:defRPr b="0" baseline="0" cap="none" i="0" spc="0" strike="noStrike" sz="2400" u="none">
           <a:ln>
             <a:noFill/>
           </a:ln>
@@ -4524,7 +4522,7 @@
           <a:sym typeface="DIN Alternate"/>
         </a:defRPr>
       </a:lvl4pPr>
-      <a:lvl5pPr marL="0" marR="0" indent="914400" algn="r" defTabSz="825500" latinLnBrk="0">
+      <a:lvl5pPr marL="0" marR="0" indent="914400" algn="r" defTabSz="584200" latinLnBrk="0">
         <a:lnSpc>
           <a:spcPct val="80000"/>
         </a:lnSpc>
@@ -4539,7 +4537,7 @@
         <a:buFontTx/>
         <a:buNone/>
         <a:tabLst/>
-        <a:defRPr b="0" baseline="0" cap="none" i="0" spc="0" strike="noStrike" sz="3600" u="none">
+        <a:defRPr b="0" baseline="0" cap="none" i="0" spc="0" strike="noStrike" sz="2400" u="none">
           <a:ln>
             <a:noFill/>
           </a:ln>
@@ -4553,7 +4551,7 @@
           <a:sym typeface="DIN Alternate"/>
         </a:defRPr>
       </a:lvl5pPr>
-      <a:lvl6pPr marL="0" marR="0" indent="1143000" algn="r" defTabSz="825500" latinLnBrk="0">
+      <a:lvl6pPr marL="0" marR="0" indent="1143000" algn="r" defTabSz="584200" latinLnBrk="0">
         <a:lnSpc>
           <a:spcPct val="80000"/>
         </a:lnSpc>
@@ -4568,7 +4566,7 @@
         <a:buFontTx/>
         <a:buNone/>
         <a:tabLst/>
-        <a:defRPr b="0" baseline="0" cap="none" i="0" spc="0" strike="noStrike" sz="3600" u="none">
+        <a:defRPr b="0" baseline="0" cap="none" i="0" spc="0" strike="noStrike" sz="2400" u="none">
           <a:ln>
             <a:noFill/>
           </a:ln>
@@ -4582,7 +4580,7 @@
           <a:sym typeface="DIN Alternate"/>
         </a:defRPr>
       </a:lvl6pPr>
-      <a:lvl7pPr marL="0" marR="0" indent="1371600" algn="r" defTabSz="825500" latinLnBrk="0">
+      <a:lvl7pPr marL="0" marR="0" indent="1371600" algn="r" defTabSz="584200" latinLnBrk="0">
         <a:lnSpc>
           <a:spcPct val="80000"/>
         </a:lnSpc>
@@ -4597,7 +4595,7 @@
         <a:buFontTx/>
         <a:buNone/>
         <a:tabLst/>
-        <a:defRPr b="0" baseline="0" cap="none" i="0" spc="0" strike="noStrike" sz="3600" u="none">
+        <a:defRPr b="0" baseline="0" cap="none" i="0" spc="0" strike="noStrike" sz="2400" u="none">
           <a:ln>
             <a:noFill/>
           </a:ln>
@@ -4611,7 +4609,7 @@
           <a:sym typeface="DIN Alternate"/>
         </a:defRPr>
       </a:lvl7pPr>
-      <a:lvl8pPr marL="0" marR="0" indent="1600200" algn="r" defTabSz="825500" latinLnBrk="0">
+      <a:lvl8pPr marL="0" marR="0" indent="1600200" algn="r" defTabSz="584200" latinLnBrk="0">
         <a:lnSpc>
           <a:spcPct val="80000"/>
         </a:lnSpc>
@@ -4626,7 +4624,7 @@
         <a:buFontTx/>
         <a:buNone/>
         <a:tabLst/>
-        <a:defRPr b="0" baseline="0" cap="none" i="0" spc="0" strike="noStrike" sz="3600" u="none">
+        <a:defRPr b="0" baseline="0" cap="none" i="0" spc="0" strike="noStrike" sz="2400" u="none">
           <a:ln>
             <a:noFill/>
           </a:ln>
@@ -4640,7 +4638,7 @@
           <a:sym typeface="DIN Alternate"/>
         </a:defRPr>
       </a:lvl8pPr>
-      <a:lvl9pPr marL="0" marR="0" indent="1828800" algn="r" defTabSz="825500" latinLnBrk="0">
+      <a:lvl9pPr marL="0" marR="0" indent="1828800" algn="r" defTabSz="584200" latinLnBrk="0">
         <a:lnSpc>
           <a:spcPct val="80000"/>
         </a:lnSpc>
@@ -4655,7 +4653,7 @@
         <a:buFontTx/>
         <a:buNone/>
         <a:tabLst/>
-        <a:defRPr b="0" baseline="0" cap="none" i="0" spc="0" strike="noStrike" sz="3600" u="none">
+        <a:defRPr b="0" baseline="0" cap="none" i="0" spc="0" strike="noStrike" sz="2400" u="none">
           <a:ln>
             <a:noFill/>
           </a:ln>
@@ -4707,8 +4705,8 @@
         <p:txBody>
           <a:bodyPr/>
           <a:lstStyle>
-            <a:lvl1pPr defTabSz="792479">
-              <a:defRPr sz="29088"/>
+            <a:lvl1pPr defTabSz="554990">
+              <a:defRPr sz="16150"/>
             </a:lvl1pPr>
           </a:lstStyle>
           <a:p>
@@ -4771,7 +4769,7 @@
       </p:grpSpPr>
       <p:sp>
         <p:nvSpPr>
-          <p:cNvPr id="206" name="TESTING WITH JEST"/>
+          <p:cNvPr id="205" name="TESTING WITH JEST"/>
           <p:cNvSpPr txBox="1"/>
           <p:nvPr>
             <p:ph type="body" idx="13"/>
@@ -4795,7 +4793,7 @@
       </p:sp>
       <p:sp>
         <p:nvSpPr>
-          <p:cNvPr id="207" name="EXAMPLE 3 - RENDER/DOM Testing (taskITEM.JS)"/>
+          <p:cNvPr id="206" name="EXAMPLE 2 - Testing APP.JS"/>
           <p:cNvSpPr txBox="1"/>
           <p:nvPr>
             <p:ph type="title"/>
@@ -4809,27 +4807,27 @@
         <p:txBody>
           <a:bodyPr/>
           <a:lstStyle>
-            <a:lvl1pPr defTabSz="685165">
+            <a:lvl1pPr defTabSz="467359">
               <a:spcBef>
-                <a:spcPts val="3200"/>
+                <a:spcPts val="2200"/>
               </a:spcBef>
-              <a:defRPr sz="7221"/>
+              <a:defRPr sz="4800"/>
             </a:lvl1pPr>
           </a:lstStyle>
           <a:p>
             <a:pPr/>
             <a:r>
-              <a:t>EXAMPLE 3 - RENDER/DOM Testing (taskITEM.JS)</a:t>
-            </a:r>
-          </a:p>
-        </p:txBody>
-      </p:sp>
-      <p:sp>
-        <p:nvSpPr>
-          <p:cNvPr id="208" name="Used React’s TestUtils (alternative - Enzyme)…"/>
+              <a:t>EXAMPLE 2 - Testing APP.JS</a:t>
+            </a:r>
+          </a:p>
+        </p:txBody>
+      </p:sp>
+      <p:sp>
+        <p:nvSpPr>
+          <p:cNvPr id="207" name="Tested one of the functions in this class - addTask()…"/>
           <p:cNvSpPr txBox="1"/>
           <p:nvPr>
-            <p:ph type="body" idx="1"/>
+            <p:ph type="body" sz="half" idx="1"/>
           </p:nvPr>
         </p:nvSpPr>
         <p:spPr>
@@ -4841,84 +4839,54 @@
           <a:bodyPr/>
           <a:lstStyle/>
           <a:p>
-            <a:pPr marL="609600" indent="-609600" defTabSz="792479">
-              <a:spcBef>
-                <a:spcPts val="3700"/>
-              </a:spcBef>
-              <a:defRPr sz="4608"/>
-            </a:pPr>
-            <a:r>
-              <a:t>Used React’s TestUtils (alternative - Enzyme)</a:t>
-            </a:r>
-          </a:p>
-          <a:p>
-            <a:pPr marL="609600" indent="-609600" defTabSz="792479">
-              <a:spcBef>
-                <a:spcPts val="3700"/>
-              </a:spcBef>
-              <a:defRPr sz="4608"/>
-            </a:pPr>
-            <a:r>
-              <a:t>Some useful functions :</a:t>
-            </a:r>
-          </a:p>
-          <a:p>
-            <a:pPr lvl="1" marL="1219200" indent="-609600" defTabSz="792479">
-              <a:spcBef>
-                <a:spcPts val="3700"/>
-              </a:spcBef>
-              <a:defRPr sz="4608"/>
-            </a:pPr>
-            <a:r>
-              <a:t>renderIntoDocument()</a:t>
-            </a:r>
-          </a:p>
-          <a:p>
-            <a:pPr lvl="1" marL="1219200" indent="-609600" defTabSz="792479">
-              <a:spcBef>
-                <a:spcPts val="3700"/>
-              </a:spcBef>
-              <a:defRPr sz="4608"/>
-            </a:pPr>
-            <a:r>
-              <a:t>findRenderedDOMComponentWithTag()</a:t>
-            </a:r>
-          </a:p>
-          <a:p>
-            <a:pPr lvl="1" marL="1219200" indent="-609600" defTabSz="792479">
-              <a:spcBef>
-                <a:spcPts val="3700"/>
-              </a:spcBef>
-              <a:defRPr sz="4608"/>
-            </a:pPr>
-            <a:r>
-              <a:t>findRenderedDOMComponentWithClass()</a:t>
-            </a:r>
-          </a:p>
-          <a:p>
-            <a:pPr marL="609600" indent="-609600" defTabSz="792479">
-              <a:spcBef>
-                <a:spcPts val="3700"/>
-              </a:spcBef>
-              <a:defRPr sz="4608"/>
-            </a:pPr>
-            <a:r>
-              <a:t>Testing events :</a:t>
-            </a:r>
-          </a:p>
-          <a:p>
-            <a:pPr lvl="1" marL="1219200" indent="-609600" defTabSz="792479">
-              <a:spcBef>
-                <a:spcPts val="3700"/>
-              </a:spcBef>
-              <a:defRPr sz="4608"/>
-            </a:pPr>
-            <a:r>
-              <a:t>TestUtils.Simulate.click</a:t>
-            </a:r>
-          </a:p>
-        </p:txBody>
-      </p:sp>
+            <a:pPr/>
+            <a:r>
+              <a:t>Tested one of the functions in this class - addTask()</a:t>
+            </a:r>
+          </a:p>
+          <a:p>
+            <a:pPr/>
+            <a:r>
+              <a:t>Code coverage (line) goes up from 21% to 48%</a:t>
+            </a:r>
+          </a:p>
+          <a:p>
+            <a:pPr/>
+            <a:r>
+              <a:t>Creates positive feedback loop to keep adding more tests :) </a:t>
+            </a:r>
+          </a:p>
+        </p:txBody>
+      </p:sp>
+      <p:pic>
+        <p:nvPicPr>
+          <p:cNvPr id="208" name="AddTask_ss.png" descr="AddTask_ss.png"/>
+          <p:cNvPicPr>
+            <a:picLocks noChangeAspect="1"/>
+          </p:cNvPicPr>
+          <p:nvPr/>
+        </p:nvPicPr>
+        <p:blipFill>
+          <a:blip r:embed="rId2">
+            <a:extLst/>
+          </a:blip>
+          <a:stretch>
+            <a:fillRect/>
+          </a:stretch>
+        </p:blipFill>
+        <p:spPr>
+          <a:xfrm>
+            <a:off x="6869824" y="3200399"/>
+            <a:ext cx="5798308" cy="3072322"/>
+          </a:xfrm>
+          <a:prstGeom prst="rect">
+            <a:avLst/>
+          </a:prstGeom>
+          <a:ln w="12700">
+            <a:miter lim="400000"/>
+          </a:ln>
+        </p:spPr>
+      </p:pic>
     </p:spTree>
   </p:cSld>
   <p:clrMapOvr>
@@ -4971,7 +4939,7 @@
       </p:sp>
       <p:sp>
         <p:nvSpPr>
-          <p:cNvPr id="211" name="SNAPSHOTS"/>
+          <p:cNvPr id="211" name="EXAMPLE 3 - RENDER/DOM Testing (taskITEM.JS)"/>
           <p:cNvSpPr txBox="1"/>
           <p:nvPr>
             <p:ph type="title"/>
@@ -4985,27 +4953,27 @@
         <p:txBody>
           <a:bodyPr/>
           <a:lstStyle>
-            <a:lvl1pPr defTabSz="685165">
+            <a:lvl1pPr defTabSz="467359">
               <a:spcBef>
-                <a:spcPts val="3200"/>
+                <a:spcPts val="2200"/>
               </a:spcBef>
-              <a:defRPr sz="7221"/>
+              <a:defRPr sz="4800"/>
             </a:lvl1pPr>
           </a:lstStyle>
           <a:p>
             <a:pPr/>
             <a:r>
-              <a:t>SNAPSHOTS</a:t>
-            </a:r>
-          </a:p>
-        </p:txBody>
-      </p:sp>
-      <p:sp>
-        <p:nvSpPr>
-          <p:cNvPr id="212" name="Avoid unexpected UI changes…"/>
+              <a:t>EXAMPLE 3 - RENDER/DOM Testing (taskITEM.JS)</a:t>
+            </a:r>
+          </a:p>
+        </p:txBody>
+      </p:sp>
+      <p:sp>
+        <p:nvSpPr>
+          <p:cNvPr id="212" name="Used React’s TestUtils (alternative - Enzyme)…"/>
           <p:cNvSpPr txBox="1"/>
           <p:nvPr>
-            <p:ph type="body" sz="half" idx="1"/>
+            <p:ph type="body" idx="1"/>
           </p:nvPr>
         </p:nvSpPr>
         <p:spPr>
@@ -5017,66 +4985,84 @@
           <a:bodyPr/>
           <a:lstStyle/>
           <a:p>
-            <a:pPr/>
-            <a:r>
-              <a:t>Avoid unexpected UI changes</a:t>
-            </a:r>
-          </a:p>
-          <a:p>
-            <a:pPr/>
-            <a:r>
-              <a:t>Saves a serialized version of the React tree</a:t>
-            </a:r>
-          </a:p>
-          <a:p>
-            <a:pPr/>
-            <a:r>
-              <a:t>On subsequent test runs :</a:t>
-            </a:r>
-          </a:p>
-          <a:p>
-            <a:pPr lvl="1"/>
-            <a:r>
-              <a:t>Compare the latest snapshot with the saved one</a:t>
-            </a:r>
-          </a:p>
-          <a:p>
-            <a:pPr/>
-            <a:r>
-              <a:t>Snapshots are human readable </a:t>
-            </a:r>
-          </a:p>
-        </p:txBody>
-      </p:sp>
-      <p:pic>
-        <p:nvPicPr>
-          <p:cNvPr id="213" name="snapshot_app_ss.png" descr="snapshot_app_ss.png"/>
-          <p:cNvPicPr>
-            <a:picLocks noChangeAspect="1"/>
-          </p:cNvPicPr>
-          <p:nvPr/>
-        </p:nvPicPr>
-        <p:blipFill>
-          <a:blip r:embed="rId2">
-            <a:extLst/>
-          </a:blip>
-          <a:stretch>
-            <a:fillRect/>
-          </a:stretch>
-        </p:blipFill>
-        <p:spPr>
-          <a:xfrm>
-            <a:off x="13428956" y="5094052"/>
-            <a:ext cx="10099088" cy="3818182"/>
-          </a:xfrm>
-          <a:prstGeom prst="rect">
-            <a:avLst/>
-          </a:prstGeom>
-          <a:ln w="12700">
-            <a:miter lim="400000"/>
-          </a:ln>
-        </p:spPr>
-      </p:pic>
+            <a:pPr marL="422275" indent="-422275" defTabSz="554990">
+              <a:spcBef>
+                <a:spcPts val="2600"/>
+              </a:spcBef>
+              <a:defRPr sz="3230"/>
+            </a:pPr>
+            <a:r>
+              <a:t>Used React’s TestUtils (alternative - Enzyme)</a:t>
+            </a:r>
+          </a:p>
+          <a:p>
+            <a:pPr marL="422275" indent="-422275" defTabSz="554990">
+              <a:spcBef>
+                <a:spcPts val="2600"/>
+              </a:spcBef>
+              <a:defRPr sz="3230"/>
+            </a:pPr>
+            <a:r>
+              <a:t>Some useful functions :</a:t>
+            </a:r>
+          </a:p>
+          <a:p>
+            <a:pPr lvl="1" marL="844550" indent="-422275" defTabSz="554990">
+              <a:spcBef>
+                <a:spcPts val="2600"/>
+              </a:spcBef>
+              <a:defRPr sz="3230"/>
+            </a:pPr>
+            <a:r>
+              <a:t>renderIntoDocument()</a:t>
+            </a:r>
+          </a:p>
+          <a:p>
+            <a:pPr lvl="1" marL="844550" indent="-422275" defTabSz="554990">
+              <a:spcBef>
+                <a:spcPts val="2600"/>
+              </a:spcBef>
+              <a:defRPr sz="3230"/>
+            </a:pPr>
+            <a:r>
+              <a:t>findRenderedDOMComponentWithTag()</a:t>
+            </a:r>
+          </a:p>
+          <a:p>
+            <a:pPr lvl="1" marL="844550" indent="-422275" defTabSz="554990">
+              <a:spcBef>
+                <a:spcPts val="2600"/>
+              </a:spcBef>
+              <a:defRPr sz="3230"/>
+            </a:pPr>
+            <a:r>
+              <a:t>findRenderedDOMComponentWithClass()</a:t>
+            </a:r>
+          </a:p>
+          <a:p>
+            <a:pPr marL="422275" indent="-422275" defTabSz="554990">
+              <a:spcBef>
+                <a:spcPts val="2600"/>
+              </a:spcBef>
+              <a:defRPr sz="3230"/>
+            </a:pPr>
+            <a:r>
+              <a:t>Testing events :</a:t>
+            </a:r>
+          </a:p>
+          <a:p>
+            <a:pPr lvl="1" marL="844550" indent="-422275" defTabSz="554990">
+              <a:spcBef>
+                <a:spcPts val="2600"/>
+              </a:spcBef>
+              <a:defRPr sz="3230"/>
+            </a:pPr>
+            <a:r>
+              <a:t>TestUtils.Simulate.click</a:t>
+            </a:r>
+          </a:p>
+        </p:txBody>
+      </p:sp>
     </p:spTree>
   </p:cSld>
   <p:clrMapOvr>
@@ -5105,7 +5091,7 @@
       </p:grpSpPr>
       <p:sp>
         <p:nvSpPr>
-          <p:cNvPr id="215" name="testing with JEST"/>
+          <p:cNvPr id="214" name="TESTING WITH JEST"/>
           <p:cNvSpPr txBox="1"/>
           <p:nvPr>
             <p:ph type="body" idx="13"/>
@@ -5122,14 +5108,14 @@
           <a:p>
             <a:pPr/>
             <a:r>
-              <a:t>testing with JEST</a:t>
-            </a:r>
-          </a:p>
-        </p:txBody>
-      </p:sp>
-      <p:sp>
-        <p:nvSpPr>
-          <p:cNvPr id="216" name="SNAPSHOTS"/>
+              <a:t>TESTING WITH JEST</a:t>
+            </a:r>
+          </a:p>
+        </p:txBody>
+      </p:sp>
+      <p:sp>
+        <p:nvSpPr>
+          <p:cNvPr id="215" name="SNAPSHOTS"/>
           <p:cNvSpPr txBox="1"/>
           <p:nvPr>
             <p:ph type="title"/>
@@ -5143,24 +5129,72 @@
         <p:txBody>
           <a:bodyPr/>
           <a:lstStyle>
-            <a:lvl1pPr defTabSz="685165">
+            <a:lvl1pPr defTabSz="467359">
               <a:spcBef>
-                <a:spcPts val="3200"/>
+                <a:spcPts val="2200"/>
               </a:spcBef>
-              <a:defRPr sz="7221"/>
+              <a:defRPr sz="4800"/>
             </a:lvl1pPr>
           </a:lstStyle>
           <a:p>
             <a:pPr/>
             <a:r>
-              <a:t>SNAPSHOTS </a:t>
+              <a:t>SNAPSHOTS</a:t>
+            </a:r>
+          </a:p>
+        </p:txBody>
+      </p:sp>
+      <p:sp>
+        <p:nvSpPr>
+          <p:cNvPr id="216" name="Avoid unexpected UI changes…"/>
+          <p:cNvSpPr txBox="1"/>
+          <p:nvPr>
+            <p:ph type="body" sz="half" idx="1"/>
+          </p:nvPr>
+        </p:nvSpPr>
+        <p:spPr>
+          <a:prstGeom prst="rect">
+            <a:avLst/>
+          </a:prstGeom>
+        </p:spPr>
+        <p:txBody>
+          <a:bodyPr/>
+          <a:lstStyle/>
+          <a:p>
+            <a:pPr/>
+            <a:r>
+              <a:t>Avoid unexpected UI changes</a:t>
+            </a:r>
+          </a:p>
+          <a:p>
+            <a:pPr/>
+            <a:r>
+              <a:t>Saves a serialized version of the React tree</a:t>
+            </a:r>
+          </a:p>
+          <a:p>
+            <a:pPr/>
+            <a:r>
+              <a:t>On subsequent test runs :</a:t>
+            </a:r>
+          </a:p>
+          <a:p>
+            <a:pPr lvl="1"/>
+            <a:r>
+              <a:t>Compare the latest snapshot with the saved one</a:t>
+            </a:r>
+          </a:p>
+          <a:p>
+            <a:pPr/>
+            <a:r>
+              <a:t>Snapshots are human readable </a:t>
             </a:r>
           </a:p>
         </p:txBody>
       </p:sp>
       <p:pic>
         <p:nvPicPr>
-          <p:cNvPr id="217" name="snapshot_file_ss.png" descr="snapshot_file_ss.png"/>
+          <p:cNvPr id="217" name="snapshot_app_ss.png" descr="snapshot_app_ss.png"/>
           <p:cNvPicPr>
             <a:picLocks noChangeAspect="1"/>
           </p:cNvPicPr>
@@ -5176,8 +5210,8 @@
         </p:blipFill>
         <p:spPr>
           <a:xfrm>
-            <a:off x="2944424" y="3319555"/>
-            <a:ext cx="16590152" cy="8072155"/>
+            <a:off x="7162110" y="3936028"/>
+            <a:ext cx="5386181" cy="2036364"/>
           </a:xfrm>
           <a:prstGeom prst="rect">
             <a:avLst/>
@@ -5239,7 +5273,7 @@
       </p:sp>
       <p:sp>
         <p:nvSpPr>
-          <p:cNvPr id="220" name="DEBUGGING TESTS"/>
+          <p:cNvPr id="220" name="SNAPSHOTS"/>
           <p:cNvSpPr txBox="1"/>
           <p:nvPr>
             <p:ph type="title"/>
@@ -5253,34 +5287,85 @@
         <p:txBody>
           <a:bodyPr/>
           <a:lstStyle>
-            <a:lvl1pPr defTabSz="685165">
+            <a:lvl1pPr defTabSz="467359">
               <a:spcBef>
-                <a:spcPts val="3200"/>
+                <a:spcPts val="2200"/>
               </a:spcBef>
-              <a:defRPr sz="7221"/>
+              <a:defRPr sz="4800"/>
             </a:lvl1pPr>
           </a:lstStyle>
           <a:p>
             <a:pPr/>
             <a:r>
-              <a:t>DEBUGGING TESTS</a:t>
-            </a:r>
-          </a:p>
-        </p:txBody>
-      </p:sp>
-      <p:sp>
-        <p:nvSpPr>
-          <p:cNvPr id="221" name="Integrated with VSCode…"/>
+              <a:t>SNAPSHOTS </a:t>
+            </a:r>
+          </a:p>
+        </p:txBody>
+      </p:sp>
+      <p:pic>
+        <p:nvPicPr>
+          <p:cNvPr id="221" name="snapshot_file_ss.png" descr="snapshot_file_ss.png"/>
+          <p:cNvPicPr>
+            <a:picLocks noChangeAspect="1"/>
+          </p:cNvPicPr>
+          <p:nvPr/>
+        </p:nvPicPr>
+        <p:blipFill>
+          <a:blip r:embed="rId2">
+            <a:extLst/>
+          </a:blip>
+          <a:stretch>
+            <a:fillRect/>
+          </a:stretch>
+        </p:blipFill>
+        <p:spPr>
+          <a:xfrm>
+            <a:off x="1570359" y="2989629"/>
+            <a:ext cx="8848082" cy="4305150"/>
+          </a:xfrm>
+          <a:prstGeom prst="rect">
+            <a:avLst/>
+          </a:prstGeom>
+          <a:ln w="12700">
+            <a:miter lim="400000"/>
+          </a:ln>
+        </p:spPr>
+      </p:pic>
+    </p:spTree>
+  </p:cSld>
+  <p:clrMapOvr>
+    <a:masterClrMapping/>
+  </p:clrMapOvr>
+  <p:transition xmlns:p14="http://schemas.microsoft.com/office/powerpoint/2010/main" spd="med" advClick="1"/>
+</p:sld>
+</file>
+
+<file path=ppt/slides/slide14.xml><?xml version="1.0" encoding="utf-8"?>
+<p:sld xmlns:a="http://schemas.openxmlformats.org/drawingml/2006/main" xmlns:r="http://schemas.openxmlformats.org/officeDocument/2006/relationships" xmlns:p="http://schemas.openxmlformats.org/presentationml/2006/main" xmlns:m="http://schemas.openxmlformats.org/officeDocument/2006/math" xmlns:a14="http://schemas.microsoft.com/office/drawing/2010/main" showMasterSp="1" showMasterPhAnim="1">
+  <p:cSld>
+    <p:spTree>
+      <p:nvGrpSpPr>
+        <p:cNvPr id="1" name=""/>
+        <p:cNvGrpSpPr/>
+        <p:nvPr/>
+      </p:nvGrpSpPr>
+      <p:grpSpPr>
+        <a:xfrm>
+          <a:off x="0" y="0"/>
+          <a:ext cx="0" cy="0"/>
+          <a:chOff x="0" y="0"/>
+          <a:chExt cx="0" cy="0"/>
+        </a:xfrm>
+      </p:grpSpPr>
+      <p:sp>
+        <p:nvSpPr>
+          <p:cNvPr id="223" name="TESTING WITH JEST"/>
           <p:cNvSpPr txBox="1"/>
           <p:nvPr>
-            <p:ph type="body" idx="1"/>
-          </p:nvPr>
-        </p:nvSpPr>
-        <p:spPr>
-          <a:xfrm>
-            <a:off x="762000" y="3860800"/>
-            <a:ext cx="18594162" cy="8585200"/>
-          </a:xfrm>
+            <p:ph type="body" idx="13"/>
+          </p:nvPr>
+        </p:nvSpPr>
+        <p:spPr>
           <a:prstGeom prst="rect">
             <a:avLst/>
           </a:prstGeom>
@@ -5291,6 +5376,65 @@
           <a:p>
             <a:pPr/>
             <a:r>
+              <a:t>TESTING WITH JEST</a:t>
+            </a:r>
+          </a:p>
+        </p:txBody>
+      </p:sp>
+      <p:sp>
+        <p:nvSpPr>
+          <p:cNvPr id="224" name="DEBUGGING TESTS"/>
+          <p:cNvSpPr txBox="1"/>
+          <p:nvPr>
+            <p:ph type="title"/>
+          </p:nvPr>
+        </p:nvSpPr>
+        <p:spPr>
+          <a:prstGeom prst="rect">
+            <a:avLst/>
+          </a:prstGeom>
+        </p:spPr>
+        <p:txBody>
+          <a:bodyPr/>
+          <a:lstStyle>
+            <a:lvl1pPr defTabSz="467359">
+              <a:spcBef>
+                <a:spcPts val="2200"/>
+              </a:spcBef>
+              <a:defRPr sz="4800"/>
+            </a:lvl1pPr>
+          </a:lstStyle>
+          <a:p>
+            <a:pPr/>
+            <a:r>
+              <a:t>DEBUGGING TESTS</a:t>
+            </a:r>
+          </a:p>
+        </p:txBody>
+      </p:sp>
+      <p:sp>
+        <p:nvSpPr>
+          <p:cNvPr id="225" name="Integrated with VSCode…"/>
+          <p:cNvSpPr txBox="1"/>
+          <p:nvPr>
+            <p:ph type="body" idx="1"/>
+          </p:nvPr>
+        </p:nvSpPr>
+        <p:spPr>
+          <a:xfrm>
+            <a:off x="406400" y="2743200"/>
+            <a:ext cx="11020879" cy="5169030"/>
+          </a:xfrm>
+          <a:prstGeom prst="rect">
+            <a:avLst/>
+          </a:prstGeom>
+        </p:spPr>
+        <p:txBody>
+          <a:bodyPr/>
+          <a:lstStyle/>
+          <a:p>
+            <a:pPr/>
+            <a:r>
               <a:t>Integrated with VSCode</a:t>
             </a:r>
           </a:p>
@@ -5298,6 +5442,327 @@
             <a:pPr/>
             <a:r>
               <a:t>Chrome debugger to connect to the node process</a:t>
+            </a:r>
+          </a:p>
+        </p:txBody>
+      </p:sp>
+    </p:spTree>
+  </p:cSld>
+  <p:clrMapOvr>
+    <a:masterClrMapping/>
+  </p:clrMapOvr>
+  <p:transition xmlns:p14="http://schemas.microsoft.com/office/powerpoint/2010/main" spd="med" advClick="1"/>
+</p:sld>
+</file>
+
+<file path=ppt/slides/slide15.xml><?xml version="1.0" encoding="utf-8"?>
+<p:sld xmlns:a="http://schemas.openxmlformats.org/drawingml/2006/main" xmlns:r="http://schemas.openxmlformats.org/officeDocument/2006/relationships" xmlns:p="http://schemas.openxmlformats.org/presentationml/2006/main" xmlns:m="http://schemas.openxmlformats.org/officeDocument/2006/math" xmlns:a14="http://schemas.microsoft.com/office/drawing/2010/main" showMasterSp="1" showMasterPhAnim="1">
+  <p:cSld>
+    <p:spTree>
+      <p:nvGrpSpPr>
+        <p:cNvPr id="1" name=""/>
+        <p:cNvGrpSpPr/>
+        <p:nvPr/>
+      </p:nvGrpSpPr>
+      <p:grpSpPr>
+        <a:xfrm>
+          <a:off x="0" y="0"/>
+          <a:ext cx="0" cy="0"/>
+          <a:chOff x="0" y="0"/>
+          <a:chExt cx="0" cy="0"/>
+        </a:xfrm>
+      </p:grpSpPr>
+      <p:sp>
+        <p:nvSpPr>
+          <p:cNvPr id="227" name="TESTING WITH JEST"/>
+          <p:cNvSpPr txBox="1"/>
+          <p:nvPr>
+            <p:ph type="body" idx="13"/>
+          </p:nvPr>
+        </p:nvSpPr>
+        <p:spPr>
+          <a:prstGeom prst="rect">
+            <a:avLst/>
+          </a:prstGeom>
+        </p:spPr>
+        <p:txBody>
+          <a:bodyPr/>
+          <a:lstStyle/>
+          <a:p>
+            <a:pPr/>
+            <a:r>
+              <a:t>TESTING WITH JEST</a:t>
+            </a:r>
+          </a:p>
+        </p:txBody>
+      </p:sp>
+      <p:sp>
+        <p:nvSpPr>
+          <p:cNvPr id="228" name="JEST IN ORCA"/>
+          <p:cNvSpPr txBox="1"/>
+          <p:nvPr>
+            <p:ph type="title"/>
+          </p:nvPr>
+        </p:nvSpPr>
+        <p:spPr>
+          <a:prstGeom prst="rect">
+            <a:avLst/>
+          </a:prstGeom>
+        </p:spPr>
+        <p:txBody>
+          <a:bodyPr/>
+          <a:lstStyle>
+            <a:lvl1pPr defTabSz="467359">
+              <a:spcBef>
+                <a:spcPts val="2200"/>
+              </a:spcBef>
+              <a:defRPr sz="4800"/>
+            </a:lvl1pPr>
+          </a:lstStyle>
+          <a:p>
+            <a:pPr/>
+            <a:r>
+              <a:t>JEST IN ORCA</a:t>
+            </a:r>
+          </a:p>
+        </p:txBody>
+      </p:sp>
+      <p:sp>
+        <p:nvSpPr>
+          <p:cNvPr id="229" name="JEST is already available in ORCA…"/>
+          <p:cNvSpPr txBox="1"/>
+          <p:nvPr>
+            <p:ph type="body" idx="1"/>
+          </p:nvPr>
+        </p:nvSpPr>
+        <p:spPr>
+          <a:prstGeom prst="rect">
+            <a:avLst/>
+          </a:prstGeom>
+        </p:spPr>
+        <p:txBody>
+          <a:bodyPr/>
+          <a:lstStyle/>
+          <a:p>
+            <a:pPr/>
+            <a:r>
+              <a:t>JEST is already available in ORCA</a:t>
+            </a:r>
+          </a:p>
+          <a:p>
+            <a:pPr/>
+            <a:r>
+              <a:t>Run JEST tests by :</a:t>
+            </a:r>
+          </a:p>
+          <a:p>
+            <a:pPr lvl="1"/>
+            <a:r>
+              <a:t>npm jest &lt;location of test&gt;</a:t>
+            </a:r>
+          </a:p>
+          <a:p>
+            <a:pPr lvl="1"/>
+            <a:r>
+              <a:t>example commit - </a:t>
+            </a:r>
+          </a:p>
+        </p:txBody>
+      </p:sp>
+    </p:spTree>
+  </p:cSld>
+  <p:clrMapOvr>
+    <a:masterClrMapping/>
+  </p:clrMapOvr>
+  <p:transition xmlns:p14="http://schemas.microsoft.com/office/powerpoint/2010/main" spd="med" advClick="1"/>
+</p:sld>
+</file>
+
+<file path=ppt/slides/slide16.xml><?xml version="1.0" encoding="utf-8"?>
+<p:sld xmlns:a="http://schemas.openxmlformats.org/drawingml/2006/main" xmlns:r="http://schemas.openxmlformats.org/officeDocument/2006/relationships" xmlns:p="http://schemas.openxmlformats.org/presentationml/2006/main" xmlns:m="http://schemas.openxmlformats.org/officeDocument/2006/math" xmlns:a14="http://schemas.microsoft.com/office/drawing/2010/main" showMasterSp="1" showMasterPhAnim="1">
+  <p:cSld>
+    <p:spTree>
+      <p:nvGrpSpPr>
+        <p:cNvPr id="1" name=""/>
+        <p:cNvGrpSpPr/>
+        <p:nvPr/>
+      </p:nvGrpSpPr>
+      <p:grpSpPr>
+        <a:xfrm>
+          <a:off x="0" y="0"/>
+          <a:ext cx="0" cy="0"/>
+          <a:chOff x="0" y="0"/>
+          <a:chExt cx="0" cy="0"/>
+        </a:xfrm>
+      </p:grpSpPr>
+      <p:sp>
+        <p:nvSpPr>
+          <p:cNvPr id="231" name="TESTING WITH JEST"/>
+          <p:cNvSpPr txBox="1"/>
+          <p:nvPr>
+            <p:ph type="body" idx="13"/>
+          </p:nvPr>
+        </p:nvSpPr>
+        <p:spPr>
+          <a:prstGeom prst="rect">
+            <a:avLst/>
+          </a:prstGeom>
+        </p:spPr>
+        <p:txBody>
+          <a:bodyPr/>
+          <a:lstStyle/>
+          <a:p>
+            <a:pPr/>
+            <a:r>
+              <a:t>TESTING WITH JEST</a:t>
+            </a:r>
+          </a:p>
+        </p:txBody>
+      </p:sp>
+      <p:sp>
+        <p:nvSpPr>
+          <p:cNvPr id="232" name="FINAL THOUGHTs"/>
+          <p:cNvSpPr txBox="1"/>
+          <p:nvPr>
+            <p:ph type="title"/>
+          </p:nvPr>
+        </p:nvSpPr>
+        <p:spPr>
+          <a:prstGeom prst="rect">
+            <a:avLst/>
+          </a:prstGeom>
+        </p:spPr>
+        <p:txBody>
+          <a:bodyPr/>
+          <a:lstStyle>
+            <a:lvl1pPr defTabSz="467359">
+              <a:spcBef>
+                <a:spcPts val="2200"/>
+              </a:spcBef>
+              <a:defRPr sz="4800"/>
+            </a:lvl1pPr>
+          </a:lstStyle>
+          <a:p>
+            <a:pPr/>
+            <a:r>
+              <a:t>FINAL THOUGHTs</a:t>
+            </a:r>
+          </a:p>
+        </p:txBody>
+      </p:sp>
+      <p:sp>
+        <p:nvSpPr>
+          <p:cNvPr id="233" name="PRO’s…"/>
+          <p:cNvSpPr txBox="1"/>
+          <p:nvPr>
+            <p:ph type="body" idx="1"/>
+          </p:nvPr>
+        </p:nvSpPr>
+        <p:spPr>
+          <a:prstGeom prst="rect">
+            <a:avLst/>
+          </a:prstGeom>
+        </p:spPr>
+        <p:txBody>
+          <a:bodyPr/>
+          <a:lstStyle/>
+          <a:p>
+            <a:pPr marL="328929" indent="-328929" defTabSz="432308">
+              <a:spcBef>
+                <a:spcPts val="2000"/>
+              </a:spcBef>
+              <a:defRPr sz="2516"/>
+            </a:pPr>
+            <a:r>
+              <a:t>PRO’s</a:t>
+            </a:r>
+          </a:p>
+          <a:p>
+            <a:pPr lvl="1" marL="657859" indent="-328929" defTabSz="432308">
+              <a:spcBef>
+                <a:spcPts val="2000"/>
+              </a:spcBef>
+              <a:defRPr sz="2516"/>
+            </a:pPr>
+            <a:r>
+              <a:t>in-built code coverage &amp; snapshots are compelling features</a:t>
+            </a:r>
+          </a:p>
+          <a:p>
+            <a:pPr lvl="1" marL="657859" indent="-328929" defTabSz="432308">
+              <a:spcBef>
+                <a:spcPts val="2000"/>
+              </a:spcBef>
+              <a:defRPr sz="2516"/>
+            </a:pPr>
+            <a:r>
+              <a:t>easier to test react components</a:t>
+            </a:r>
+          </a:p>
+          <a:p>
+            <a:pPr lvl="1" marL="657859" indent="-328929" defTabSz="432308">
+              <a:spcBef>
+                <a:spcPts val="2000"/>
+              </a:spcBef>
+              <a:defRPr sz="2516"/>
+            </a:pPr>
+            <a:r>
+              <a:t>Jasmine tests can be migrated to JEST</a:t>
+            </a:r>
+          </a:p>
+          <a:p>
+            <a:pPr marL="328929" indent="-328929" defTabSz="432308">
+              <a:spcBef>
+                <a:spcPts val="2000"/>
+              </a:spcBef>
+              <a:defRPr sz="2516"/>
+            </a:pPr>
+            <a:r>
+              <a:t>Risks</a:t>
+            </a:r>
+          </a:p>
+          <a:p>
+            <a:pPr lvl="1" marL="657859" indent="-328929" defTabSz="432308">
+              <a:spcBef>
+                <a:spcPts val="2000"/>
+              </a:spcBef>
+              <a:defRPr sz="2516"/>
+            </a:pPr>
+            <a:r>
+              <a:t>Migrating old tests take time and can be complicated</a:t>
+            </a:r>
+          </a:p>
+          <a:p>
+            <a:pPr lvl="1" marL="657859" indent="-328929" defTabSz="432308">
+              <a:spcBef>
+                <a:spcPts val="2000"/>
+              </a:spcBef>
+              <a:defRPr sz="2516"/>
+            </a:pPr>
+            <a:r>
+              <a:t>Segregating existing tests for UI5/Deku/React components will be hard</a:t>
+            </a:r>
+          </a:p>
+          <a:p>
+            <a:pPr marL="328929" indent="-328929" defTabSz="432308">
+              <a:spcBef>
+                <a:spcPts val="2000"/>
+              </a:spcBef>
+              <a:defRPr sz="2516"/>
+            </a:pPr>
+            <a:r>
+              <a:t>Suggestion </a:t>
+            </a:r>
+          </a:p>
+          <a:p>
+            <a:pPr lvl="1" marL="657859" indent="-328929" defTabSz="432308">
+              <a:spcBef>
+                <a:spcPts val="2000"/>
+              </a:spcBef>
+              <a:defRPr sz="2516"/>
+            </a:pPr>
+            <a:r>
+              <a:t>Definitely use JEST if writing a new React components</a:t>
             </a:r>
           </a:p>
         </p:txBody>
@@ -5330,13 +5795,17 @@
       </p:grpSpPr>
       <p:sp>
         <p:nvSpPr>
-          <p:cNvPr id="169" name="TESTing with jest"/>
+          <p:cNvPr id="169" name="TESTING WITH JEST"/>
           <p:cNvSpPr txBox="1"/>
           <p:nvPr>
             <p:ph type="body" idx="13"/>
           </p:nvPr>
         </p:nvSpPr>
         <p:spPr>
+          <a:xfrm>
+            <a:off x="406400" y="444499"/>
+            <a:ext cx="11176000" cy="457201"/>
+          </a:xfrm>
           <a:prstGeom prst="rect">
             <a:avLst/>
           </a:prstGeom>
@@ -5347,7 +5816,7 @@
           <a:p>
             <a:pPr/>
             <a:r>
-              <a:t>TESTing with jest</a:t>
+              <a:t>TESTING WITH JEST</a:t>
             </a:r>
           </a:p>
         </p:txBody>
@@ -5368,11 +5837,11 @@
         <p:txBody>
           <a:bodyPr/>
           <a:lstStyle>
-            <a:lvl1pPr defTabSz="685165">
+            <a:lvl1pPr defTabSz="467359">
               <a:spcBef>
-                <a:spcPts val="3200"/>
+                <a:spcPts val="2200"/>
               </a:spcBef>
-              <a:defRPr sz="7221"/>
+              <a:defRPr sz="4800"/>
             </a:lvl1pPr>
           </a:lstStyle>
           <a:p>
@@ -5453,7 +5922,7 @@
       </p:grpSpPr>
       <p:sp>
         <p:nvSpPr>
-          <p:cNvPr id="173" name="testing with jest"/>
+          <p:cNvPr id="173" name="TESTING WITH JEST"/>
           <p:cNvSpPr txBox="1"/>
           <p:nvPr>
             <p:ph type="body" idx="13"/>
@@ -5470,14 +5939,14 @@
           <a:p>
             <a:pPr/>
             <a:r>
-              <a:t>testing with jest</a:t>
-            </a:r>
-          </a:p>
-        </p:txBody>
-      </p:sp>
-      <p:sp>
-        <p:nvSpPr>
-          <p:cNvPr id="174" name="Cool features of jest"/>
+              <a:t>TESTING WITH JEST</a:t>
+            </a:r>
+          </a:p>
+        </p:txBody>
+      </p:sp>
+      <p:sp>
+        <p:nvSpPr>
+          <p:cNvPr id="174" name="EASIER THINGS First"/>
           <p:cNvSpPr txBox="1"/>
           <p:nvPr>
             <p:ph type="title"/>
@@ -5491,24 +5960,24 @@
         <p:txBody>
           <a:bodyPr/>
           <a:lstStyle>
-            <a:lvl1pPr defTabSz="685165">
+            <a:lvl1pPr defTabSz="467359">
               <a:spcBef>
-                <a:spcPts val="3200"/>
+                <a:spcPts val="2200"/>
               </a:spcBef>
-              <a:defRPr sz="7221"/>
+              <a:defRPr sz="4800"/>
             </a:lvl1pPr>
           </a:lstStyle>
           <a:p>
             <a:pPr/>
             <a:r>
-              <a:t>Cool features of jest</a:t>
-            </a:r>
-          </a:p>
-        </p:txBody>
-      </p:sp>
-      <p:sp>
-        <p:nvSpPr>
-          <p:cNvPr id="175" name="Watch Mode…"/>
+              <a:t>EASIER THINGS First</a:t>
+            </a:r>
+          </a:p>
+        </p:txBody>
+      </p:sp>
+      <p:sp>
+        <p:nvSpPr>
+          <p:cNvPr id="175" name="Same global variables as Jasmine…"/>
           <p:cNvSpPr txBox="1"/>
           <p:nvPr>
             <p:ph type="body" idx="1"/>
@@ -5523,27 +5992,102 @@
           <a:bodyPr/>
           <a:lstStyle/>
           <a:p>
-            <a:pPr/>
-            <a:r>
-              <a:t>Watch Mode</a:t>
-            </a:r>
-          </a:p>
-          <a:p>
-            <a:pPr/>
-            <a:r>
-              <a:t>Code-coverage is  built-in</a:t>
-            </a:r>
-          </a:p>
-          <a:p>
-            <a:pPr/>
-            <a:r>
-              <a:t>Snapshots</a:t>
-            </a:r>
-          </a:p>
-          <a:p>
-            <a:pPr/>
-            <a:r>
-              <a:t>DOM / Render tests</a:t>
+            <a:pPr marL="328929" indent="-328929" defTabSz="432308">
+              <a:spcBef>
+                <a:spcPts val="2000"/>
+              </a:spcBef>
+              <a:defRPr sz="2516"/>
+            </a:pPr>
+            <a:r>
+              <a:t>Same global variables as Jasmine</a:t>
+            </a:r>
+          </a:p>
+          <a:p>
+            <a:pPr lvl="1" marL="657859" indent="-328929" defTabSz="432308">
+              <a:spcBef>
+                <a:spcPts val="2000"/>
+              </a:spcBef>
+              <a:defRPr sz="2516"/>
+            </a:pPr>
+            <a:r>
+              <a:t>afterAll &amp; afterEach</a:t>
+            </a:r>
+          </a:p>
+          <a:p>
+            <a:pPr lvl="1" marL="657859" indent="-328929" defTabSz="432308">
+              <a:spcBef>
+                <a:spcPts val="2000"/>
+              </a:spcBef>
+              <a:defRPr sz="2516"/>
+            </a:pPr>
+            <a:r>
+              <a:t>beforeAll &amp; beforeEach</a:t>
+            </a:r>
+          </a:p>
+          <a:p>
+            <a:pPr lvl="1" marL="657859" indent="-328929" defTabSz="432308">
+              <a:spcBef>
+                <a:spcPts val="2000"/>
+              </a:spcBef>
+              <a:defRPr sz="2516"/>
+            </a:pPr>
+            <a:r>
+              <a:t>describe &amp; it blocks</a:t>
+            </a:r>
+          </a:p>
+          <a:p>
+            <a:pPr lvl="1" marL="657859" indent="-328929" defTabSz="432308">
+              <a:spcBef>
+                <a:spcPts val="2000"/>
+              </a:spcBef>
+              <a:defRPr sz="2516"/>
+            </a:pPr>
+            <a:r>
+              <a:t>expects</a:t>
+            </a:r>
+          </a:p>
+          <a:p>
+            <a:pPr marL="328929" indent="-328929" defTabSz="432308">
+              <a:spcBef>
+                <a:spcPts val="2000"/>
+              </a:spcBef>
+              <a:defRPr sz="2516"/>
+            </a:pPr>
+            <a:r>
+              <a:t>Similar matchers </a:t>
+            </a:r>
+          </a:p>
+          <a:p>
+            <a:pPr lvl="1" marL="657859" indent="-328929" defTabSz="432308">
+              <a:spcBef>
+                <a:spcPts val="2000"/>
+              </a:spcBef>
+              <a:defRPr sz="2516"/>
+            </a:pPr>
+            <a:r>
+              <a:t>toBe &amp; toEqual</a:t>
+            </a:r>
+          </a:p>
+          <a:p>
+            <a:pPr lvl="1" marL="657859" indent="-328929" defTabSz="432308">
+              <a:spcBef>
+                <a:spcPts val="2000"/>
+              </a:spcBef>
+              <a:defRPr sz="2516"/>
+            </a:pPr>
+            <a:r>
+              <a:t>toBeNull, toBeDefined &amp; toBeUndefined</a:t>
+            </a:r>
+          </a:p>
+          <a:p>
+            <a:pPr lvl="1" marL="657859" indent="-328929" defTabSz="432308">
+              <a:spcBef>
+                <a:spcPts val="2000"/>
+              </a:spcBef>
+              <a:defRPr sz="2516"/>
+            </a:pPr>
+            <a:r>
+              <a:t>toBeGreaterThan &amp; toBeLessThan </a:t>
             </a:r>
           </a:p>
         </p:txBody>
@@ -5576,7 +6120,7 @@
       </p:grpSpPr>
       <p:sp>
         <p:nvSpPr>
-          <p:cNvPr id="177" name="testing with jest"/>
+          <p:cNvPr id="177" name="TESTING WITH JEST"/>
           <p:cNvSpPr txBox="1"/>
           <p:nvPr>
             <p:ph type="body" idx="13"/>
@@ -5593,14 +6137,14 @@
           <a:p>
             <a:pPr/>
             <a:r>
-              <a:t>testing with jest</a:t>
-            </a:r>
-          </a:p>
-        </p:txBody>
-      </p:sp>
-      <p:sp>
-        <p:nvSpPr>
-          <p:cNvPr id="178" name="toy example"/>
+              <a:t>TESTING WITH JEST</a:t>
+            </a:r>
+          </a:p>
+        </p:txBody>
+      </p:sp>
+      <p:sp>
+        <p:nvSpPr>
+          <p:cNvPr id="178" name="Example 1 - a function"/>
           <p:cNvSpPr txBox="1"/>
           <p:nvPr>
             <p:ph type="title"/>
@@ -5614,82 +6158,31 @@
         <p:txBody>
           <a:bodyPr/>
           <a:lstStyle>
-            <a:lvl1pPr defTabSz="685165">
+            <a:lvl1pPr defTabSz="467359">
               <a:spcBef>
-                <a:spcPts val="3200"/>
+                <a:spcPts val="2200"/>
               </a:spcBef>
-              <a:defRPr sz="7221"/>
+              <a:defRPr sz="4800"/>
             </a:lvl1pPr>
           </a:lstStyle>
           <a:p>
             <a:pPr/>
             <a:r>
-              <a:t>toy example</a:t>
-            </a:r>
-          </a:p>
-        </p:txBody>
-      </p:sp>
-      <p:sp>
-        <p:nvSpPr>
-          <p:cNvPr id="179" name="A simple to-do app…"/>
-          <p:cNvSpPr txBox="1"/>
-          <p:nvPr>
-            <p:ph type="body" sz="half" idx="1"/>
-          </p:nvPr>
-        </p:nvSpPr>
-        <p:spPr>
-          <a:prstGeom prst="rect">
-            <a:avLst/>
-          </a:prstGeom>
-        </p:spPr>
-        <p:txBody>
-          <a:bodyPr/>
-          <a:lstStyle/>
-          <a:p>
-            <a:pPr/>
-            <a:r>
-              <a:t>A simple to-do app </a:t>
-            </a:r>
-          </a:p>
-          <a:p>
-            <a:pPr/>
-            <a:r>
-              <a:t>Made with “create-react-app”</a:t>
-            </a:r>
-          </a:p>
-          <a:p>
-            <a:pPr/>
-            <a:r>
-              <a:t>App comes pre-configured with JEST </a:t>
-            </a:r>
-          </a:p>
-          <a:p>
-            <a:pPr/>
-            <a:r>
-              <a:t>Available at </a:t>
-            </a:r>
-            <a:r>
-              <a:rPr u="sng">
-                <a:solidFill>
-                  <a:schemeClr val="accent1"/>
-                </a:solidFill>
-                <a:hlinkClick r:id="rId2" invalidUrl="" action="" tgtFrame="" tooltip="" history="1" highlightClick="0" endSnd="0"/>
-              </a:rPr>
-              <a:t>https://github.com/sanjeet724/react-todo-app</a:t>
+              <a:t>Example 1 - a function</a:t>
             </a:r>
           </a:p>
         </p:txBody>
       </p:sp>
       <p:pic>
         <p:nvPicPr>
-          <p:cNvPr id="180" name="Screen Shot 2018-09-02 at 10.10.29 PM.png" descr="Screen Shot 2018-09-02 at 10.10.29 PM.png"/>
+          <p:cNvPr id="179" name="Screen Shot 2018-09-02 at 10.19.28 PM.png" descr="Screen Shot 2018-09-02 at 10.19.28 PM.png"/>
           <p:cNvPicPr>
             <a:picLocks noChangeAspect="1"/>
           </p:cNvPicPr>
           <p:nvPr/>
         </p:nvPicPr>
         <p:blipFill>
-          <a:blip r:embed="rId3">
+          <a:blip r:embed="rId2">
             <a:extLst/>
           </a:blip>
           <a:stretch>
@@ -5698,8 +6191,8 @@
         </p:blipFill>
         <p:spPr>
           <a:xfrm>
-            <a:off x="14204534" y="3126279"/>
-            <a:ext cx="8858251" cy="7463442"/>
+            <a:off x="1456425" y="3689255"/>
+            <a:ext cx="9892897" cy="4254690"/>
           </a:xfrm>
           <a:prstGeom prst="rect">
             <a:avLst/>
@@ -5709,6 +6202,60 @@
           </a:ln>
         </p:spPr>
       </p:pic>
+      <p:sp>
+        <p:nvSpPr>
+          <p:cNvPr id="180" name="functions.js"/>
+          <p:cNvSpPr txBox="1"/>
+          <p:nvPr/>
+        </p:nvSpPr>
+        <p:spPr>
+          <a:xfrm>
+            <a:off x="1784981" y="2895600"/>
+            <a:ext cx="1698652" cy="487682"/>
+          </a:xfrm>
+          <a:prstGeom prst="rect">
+            <a:avLst/>
+          </a:prstGeom>
+          <a:ln w="25400">
+            <a:solidFill>
+              <a:srgbClr val="5B5854"/>
+            </a:solidFill>
+            <a:miter lim="400000"/>
+          </a:ln>
+          <a:extLst>
+            <a:ext uri="{C572A759-6A51-4108-AA02-DFA0A04FC94B}">
+              <ma14:wrappingTextBoxFlag xmlns:ma14="http://schemas.microsoft.com/office/mac/drawingml/2011/main" val="1"/>
+            </a:ext>
+          </a:extLst>
+        </p:spPr>
+        <p:txBody>
+          <a:bodyPr wrap="none" lIns="50800" tIns="50800" rIns="50800" bIns="50800" anchor="ctr">
+            <a:spAutoFit/>
+          </a:bodyPr>
+          <a:lstStyle>
+            <a:lvl1pPr algn="ctr">
+              <a:lnSpc>
+                <a:spcPct val="80000"/>
+              </a:lnSpc>
+              <a:spcBef>
+                <a:spcPts val="0"/>
+              </a:spcBef>
+              <a:defRPr cap="all" sz="2800">
+                <a:latin typeface="+mn-lt"/>
+                <a:ea typeface="+mn-ea"/>
+                <a:cs typeface="+mn-cs"/>
+                <a:sym typeface="DIN Condensed"/>
+              </a:defRPr>
+            </a:lvl1pPr>
+          </a:lstStyle>
+          <a:p>
+            <a:pPr/>
+            <a:r>
+              <a:t>functions.js</a:t>
+            </a:r>
+          </a:p>
+        </p:txBody>
+      </p:sp>
     </p:spTree>
   </p:cSld>
   <p:clrMapOvr>
@@ -5737,7 +6284,7 @@
       </p:grpSpPr>
       <p:sp>
         <p:nvSpPr>
-          <p:cNvPr id="182" name="testing with jest"/>
+          <p:cNvPr id="182" name="TESTING WITH JEST"/>
           <p:cNvSpPr txBox="1"/>
           <p:nvPr>
             <p:ph type="body" idx="13"/>
@@ -5754,14 +6301,14 @@
           <a:p>
             <a:pPr/>
             <a:r>
-              <a:t>testing with jest</a:t>
-            </a:r>
-          </a:p>
-        </p:txBody>
-      </p:sp>
-      <p:sp>
-        <p:nvSpPr>
-          <p:cNvPr id="183" name="Example 1 - a function"/>
+              <a:t>TESTING WITH JEST</a:t>
+            </a:r>
+          </a:p>
+        </p:txBody>
+      </p:sp>
+      <p:sp>
+        <p:nvSpPr>
+          <p:cNvPr id="183" name="Example 1 - Testing the function"/>
           <p:cNvSpPr txBox="1"/>
           <p:nvPr>
             <p:ph type="title"/>
@@ -5775,24 +6322,24 @@
         <p:txBody>
           <a:bodyPr/>
           <a:lstStyle>
-            <a:lvl1pPr defTabSz="685165">
+            <a:lvl1pPr defTabSz="420624">
               <a:spcBef>
-                <a:spcPts val="3200"/>
+                <a:spcPts val="2000"/>
               </a:spcBef>
-              <a:defRPr sz="7221"/>
+              <a:defRPr sz="4320"/>
             </a:lvl1pPr>
           </a:lstStyle>
           <a:p>
             <a:pPr/>
             <a:r>
-              <a:t>Example 1 - a function</a:t>
+              <a:t>Example 1 - Testing the function</a:t>
             </a:r>
           </a:p>
         </p:txBody>
       </p:sp>
       <p:pic>
         <p:nvPicPr>
-          <p:cNvPr id="184" name="Screen Shot 2018-09-02 at 10.19.28 PM.png" descr="Screen Shot 2018-09-02 at 10.19.28 PM.png"/>
+          <p:cNvPr id="184" name="Screen Shot 2018-09-02 at 10.20.17 PM.png" descr="Screen Shot 2018-09-02 at 10.20.17 PM.png"/>
           <p:cNvPicPr>
             <a:picLocks noChangeAspect="1"/>
           </p:cNvPicPr>
@@ -5808,8 +6355,8 @@
         </p:blipFill>
         <p:spPr>
           <a:xfrm>
-            <a:off x="3607313" y="4678615"/>
-            <a:ext cx="16280777" cy="7001958"/>
+            <a:off x="1418185" y="3548057"/>
+            <a:ext cx="6933908" cy="5006022"/>
           </a:xfrm>
           <a:prstGeom prst="rect">
             <a:avLst/>
@@ -5821,14 +6368,14 @@
       </p:pic>
       <p:sp>
         <p:nvSpPr>
-          <p:cNvPr id="185" name="functions.js"/>
+          <p:cNvPr id="185" name="functions.test.js"/>
           <p:cNvSpPr txBox="1"/>
           <p:nvPr/>
         </p:nvSpPr>
         <p:spPr>
           <a:xfrm>
-            <a:off x="3963286" y="3609306"/>
-            <a:ext cx="2366773" cy="635003"/>
+            <a:off x="1622645" y="2494857"/>
+            <a:ext cx="2998185" cy="487682"/>
           </a:xfrm>
           <a:prstGeom prst="rect">
             <a:avLst/>
@@ -5846,7 +6393,7 @@
           </a:extLst>
         </p:spPr>
         <p:txBody>
-          <a:bodyPr wrap="none" lIns="50800" tIns="50800" rIns="50800" bIns="50800" anchor="ctr">
+          <a:bodyPr lIns="50800" tIns="50800" rIns="50800" bIns="50800" anchor="ctr">
             <a:spAutoFit/>
           </a:bodyPr>
           <a:lstStyle>
@@ -5857,7 +6404,7 @@
               <a:spcBef>
                 <a:spcPts val="0"/>
               </a:spcBef>
-              <a:defRPr cap="all" sz="4000">
+              <a:defRPr cap="all" sz="2800">
                 <a:latin typeface="+mn-lt"/>
                 <a:ea typeface="+mn-ea"/>
                 <a:cs typeface="+mn-cs"/>
@@ -5868,7 +6415,7 @@
           <a:p>
             <a:pPr/>
             <a:r>
-              <a:t>functions.js</a:t>
+              <a:t>functions.test.js</a:t>
             </a:r>
           </a:p>
         </p:txBody>
@@ -5901,7 +6448,7 @@
       </p:grpSpPr>
       <p:sp>
         <p:nvSpPr>
-          <p:cNvPr id="187" name="testing with jest"/>
+          <p:cNvPr id="187" name="TESTING WITH JEST"/>
           <p:cNvSpPr txBox="1"/>
           <p:nvPr>
             <p:ph type="body" idx="13"/>
@@ -5918,14 +6465,14 @@
           <a:p>
             <a:pPr/>
             <a:r>
-              <a:t>testing with jest</a:t>
-            </a:r>
-          </a:p>
-        </p:txBody>
-      </p:sp>
-      <p:sp>
-        <p:nvSpPr>
-          <p:cNvPr id="188" name="Example 1 - Testing the function"/>
+              <a:t>TESTING WITH JEST</a:t>
+            </a:r>
+          </a:p>
+        </p:txBody>
+      </p:sp>
+      <p:sp>
+        <p:nvSpPr>
+          <p:cNvPr id="188" name="Cool features of jest"/>
           <p:cNvSpPr txBox="1"/>
           <p:nvPr>
             <p:ph type="title"/>
@@ -5939,100 +6486,59 @@
         <p:txBody>
           <a:bodyPr/>
           <a:lstStyle>
-            <a:lvl1pPr defTabSz="685165">
+            <a:lvl1pPr defTabSz="467359">
               <a:spcBef>
-                <a:spcPts val="3200"/>
+                <a:spcPts val="2200"/>
               </a:spcBef>
-              <a:defRPr sz="7221"/>
+              <a:defRPr sz="4800"/>
             </a:lvl1pPr>
           </a:lstStyle>
           <a:p>
             <a:pPr/>
             <a:r>
-              <a:t>Example 1 - Testing the function</a:t>
-            </a:r>
-          </a:p>
-        </p:txBody>
-      </p:sp>
-      <p:pic>
-        <p:nvPicPr>
-          <p:cNvPr id="189" name="Screen Shot 2018-09-02 at 10.20.17 PM.png" descr="Screen Shot 2018-09-02 at 10.20.17 PM.png"/>
-          <p:cNvPicPr>
-            <a:picLocks noChangeAspect="1"/>
-          </p:cNvPicPr>
-          <p:nvPr/>
-        </p:nvPicPr>
-        <p:blipFill>
-          <a:blip r:embed="rId2">
-            <a:extLst/>
-          </a:blip>
-          <a:stretch>
-            <a:fillRect/>
-          </a:stretch>
-        </p:blipFill>
-        <p:spPr>
-          <a:xfrm>
-            <a:off x="4898444" y="4329684"/>
-            <a:ext cx="11811001" cy="8527101"/>
-          </a:xfrm>
-          <a:prstGeom prst="rect">
-            <a:avLst/>
-          </a:prstGeom>
-          <a:ln w="12700">
-            <a:miter lim="400000"/>
-          </a:ln>
-        </p:spPr>
-      </p:pic>
-      <p:sp>
-        <p:nvSpPr>
-          <p:cNvPr id="190" name="functions.test.js"/>
+              <a:t>Cool features of jest</a:t>
+            </a:r>
+          </a:p>
+        </p:txBody>
+      </p:sp>
+      <p:sp>
+        <p:nvSpPr>
+          <p:cNvPr id="189" name="Watch Mode…"/>
           <p:cNvSpPr txBox="1"/>
-          <p:nvPr/>
-        </p:nvSpPr>
-        <p:spPr>
-          <a:xfrm>
-            <a:off x="5012257" y="3236537"/>
-            <a:ext cx="3881986" cy="635002"/>
-          </a:xfrm>
-          <a:prstGeom prst="rect">
-            <a:avLst/>
-          </a:prstGeom>
-          <a:ln w="25400">
-            <a:solidFill>
-              <a:srgbClr val="5B5854"/>
-            </a:solidFill>
-            <a:miter lim="400000"/>
-          </a:ln>
-          <a:extLst>
-            <a:ext uri="{C572A759-6A51-4108-AA02-DFA0A04FC94B}">
-              <ma14:wrappingTextBoxFlag xmlns:ma14="http://schemas.microsoft.com/office/mac/drawingml/2011/main" val="1"/>
-            </a:ext>
-          </a:extLst>
-        </p:spPr>
-        <p:txBody>
-          <a:bodyPr lIns="50800" tIns="50800" rIns="50800" bIns="50800" anchor="ctr">
-            <a:spAutoFit/>
-          </a:bodyPr>
-          <a:lstStyle>
-            <a:lvl1pPr algn="ctr">
-              <a:lnSpc>
-                <a:spcPct val="80000"/>
-              </a:lnSpc>
-              <a:spcBef>
-                <a:spcPts val="0"/>
-              </a:spcBef>
-              <a:defRPr cap="all" sz="4000">
-                <a:latin typeface="+mn-lt"/>
-                <a:ea typeface="+mn-ea"/>
-                <a:cs typeface="+mn-cs"/>
-                <a:sym typeface="DIN Condensed"/>
-              </a:defRPr>
-            </a:lvl1pPr>
-          </a:lstStyle>
-          <a:p>
-            <a:pPr/>
-            <a:r>
-              <a:t>functions.test.js</a:t>
+          <p:nvPr>
+            <p:ph type="body" idx="1"/>
+          </p:nvPr>
+        </p:nvSpPr>
+        <p:spPr>
+          <a:prstGeom prst="rect">
+            <a:avLst/>
+          </a:prstGeom>
+        </p:spPr>
+        <p:txBody>
+          <a:bodyPr/>
+          <a:lstStyle/>
+          <a:p>
+            <a:pPr/>
+            <a:r>
+              <a:t>Watch Mode</a:t>
+            </a:r>
+          </a:p>
+          <a:p>
+            <a:pPr/>
+            <a:r>
+              <a:t>Code-coverage</a:t>
+            </a:r>
+          </a:p>
+          <a:p>
+            <a:pPr/>
+            <a:r>
+              <a:t>DOM / Render tests</a:t>
+            </a:r>
+          </a:p>
+          <a:p>
+            <a:pPr/>
+            <a:r>
+              <a:t>Snapshots</a:t>
             </a:r>
           </a:p>
         </p:txBody>
@@ -6065,7 +6571,7 @@
       </p:grpSpPr>
       <p:sp>
         <p:nvSpPr>
-          <p:cNvPr id="192" name="testing with jest"/>
+          <p:cNvPr id="191" name="TESTING WITH JEST"/>
           <p:cNvSpPr txBox="1"/>
           <p:nvPr>
             <p:ph type="body" idx="13"/>
@@ -6082,14 +6588,14 @@
           <a:p>
             <a:pPr/>
             <a:r>
-              <a:t>testing with jest</a:t>
-            </a:r>
-          </a:p>
-        </p:txBody>
-      </p:sp>
-      <p:sp>
-        <p:nvSpPr>
-          <p:cNvPr id="193" name="testing the app - Where/How to Start ?"/>
+              <a:t>TESTING WITH JEST</a:t>
+            </a:r>
+          </a:p>
+        </p:txBody>
+      </p:sp>
+      <p:sp>
+        <p:nvSpPr>
+          <p:cNvPr id="192" name="toy example"/>
           <p:cNvSpPr txBox="1"/>
           <p:nvPr>
             <p:ph type="title"/>
@@ -6103,34 +6609,30 @@
         <p:txBody>
           <a:bodyPr/>
           <a:lstStyle>
-            <a:lvl1pPr defTabSz="652145">
+            <a:lvl1pPr defTabSz="467359">
               <a:spcBef>
-                <a:spcPts val="3000"/>
+                <a:spcPts val="2200"/>
               </a:spcBef>
-              <a:defRPr sz="6873"/>
+              <a:defRPr sz="4800"/>
             </a:lvl1pPr>
           </a:lstStyle>
           <a:p>
             <a:pPr/>
             <a:r>
-              <a:t>testing the app - Where/How to Start ?</a:t>
-            </a:r>
-          </a:p>
-        </p:txBody>
-      </p:sp>
-      <p:sp>
-        <p:nvSpPr>
-          <p:cNvPr id="194" name="A simple yet very valuable test…"/>
+              <a:t>toy example</a:t>
+            </a:r>
+          </a:p>
+        </p:txBody>
+      </p:sp>
+      <p:sp>
+        <p:nvSpPr>
+          <p:cNvPr id="193" name="A simple to-do app…"/>
           <p:cNvSpPr txBox="1"/>
           <p:nvPr>
             <p:ph type="body" sz="half" idx="1"/>
           </p:nvPr>
         </p:nvSpPr>
         <p:spPr>
-          <a:xfrm>
-            <a:off x="761999" y="3886199"/>
-            <a:ext cx="11811001" cy="8585201"/>
-          </a:xfrm>
           <a:prstGeom prst="rect">
             <a:avLst/>
           </a:prstGeom>
@@ -6141,33 +6643,48 @@
           <a:p>
             <a:pPr/>
             <a:r>
-              <a:t>A simple yet very valuable test</a:t>
-            </a:r>
-          </a:p>
-          <a:p>
-            <a:pPr/>
-            <a:r>
-              <a:t>Provides a great starting point to add more tests</a:t>
-            </a:r>
-          </a:p>
-          <a:p>
-            <a:pPr/>
-            <a:r>
-              <a:t>“npm test — —coverage”  - to see which files are not tested </a:t>
+              <a:t>A simple to-do app </a:t>
+            </a:r>
+          </a:p>
+          <a:p>
+            <a:pPr/>
+            <a:r>
+              <a:t>Made with “create-react-app”</a:t>
+            </a:r>
+          </a:p>
+          <a:p>
+            <a:pPr/>
+            <a:r>
+              <a:t>App comes pre-configured with JEST </a:t>
+            </a:r>
+          </a:p>
+          <a:p>
+            <a:pPr/>
+            <a:r>
+              <a:t>Available at </a:t>
+            </a:r>
+            <a:r>
+              <a:rPr u="sng">
+                <a:solidFill>
+                  <a:schemeClr val="accent1"/>
+                </a:solidFill>
+                <a:hlinkClick r:id="rId2" invalidUrl="" action="" tgtFrame="" tooltip="" history="1" highlightClick="0" endSnd="0"/>
+              </a:rPr>
+              <a:t>https://github.com/sanjeet724/react-todo-app</a:t>
             </a:r>
           </a:p>
         </p:txBody>
       </p:sp>
       <p:pic>
         <p:nvPicPr>
-          <p:cNvPr id="195" name="Screen Shot 2018-09-02 at 10.33.36 PM.png" descr="Screen Shot 2018-09-02 at 10.33.36 PM.png"/>
+          <p:cNvPr id="194" name="Screen Shot 2018-09-11 at 8.56.39 AM.png" descr="Screen Shot 2018-09-11 at 8.56.39 AM.png"/>
           <p:cNvPicPr>
             <a:picLocks noChangeAspect="1"/>
           </p:cNvPicPr>
           <p:nvPr/>
         </p:nvPicPr>
         <p:blipFill>
-          <a:blip r:embed="rId2">
+          <a:blip r:embed="rId3">
             <a:extLst/>
           </a:blip>
           <a:stretch>
@@ -6176,8 +6693,8 @@
         </p:blipFill>
         <p:spPr>
           <a:xfrm>
-            <a:off x="13127235" y="4842271"/>
-            <a:ext cx="10702707" cy="4031259"/>
+            <a:off x="6999053" y="2983179"/>
+            <a:ext cx="5712294" cy="3787242"/>
           </a:xfrm>
           <a:prstGeom prst="rect">
             <a:avLst/>
@@ -6215,7 +6732,7 @@
       </p:grpSpPr>
       <p:sp>
         <p:nvSpPr>
-          <p:cNvPr id="197" name="Testing with test"/>
+          <p:cNvPr id="196" name="TESTING WITH JEST"/>
           <p:cNvSpPr txBox="1"/>
           <p:nvPr>
             <p:ph type="body" idx="13"/>
@@ -6232,14 +6749,14 @@
           <a:p>
             <a:pPr/>
             <a:r>
-              <a:t>Testing with test</a:t>
-            </a:r>
-          </a:p>
-        </p:txBody>
-      </p:sp>
-      <p:sp>
-        <p:nvSpPr>
-          <p:cNvPr id="198" name="Coverage report"/>
+              <a:t>TESTING WITH JEST</a:t>
+            </a:r>
+          </a:p>
+        </p:txBody>
+      </p:sp>
+      <p:sp>
+        <p:nvSpPr>
+          <p:cNvPr id="197" name="testing the app - Where/How to Start ?"/>
           <p:cNvSpPr txBox="1"/>
           <p:nvPr>
             <p:ph type="title"/>
@@ -6253,24 +6770,60 @@
         <p:txBody>
           <a:bodyPr/>
           <a:lstStyle>
-            <a:lvl1pPr defTabSz="685165">
+            <a:lvl1pPr defTabSz="350520">
               <a:spcBef>
-                <a:spcPts val="3200"/>
+                <a:spcPts val="1600"/>
               </a:spcBef>
-              <a:defRPr sz="7221"/>
+              <a:defRPr sz="3600"/>
             </a:lvl1pPr>
           </a:lstStyle>
           <a:p>
             <a:pPr/>
             <a:r>
-              <a:t>Coverage report</a:t>
+              <a:t>testing the app - Where/How to Start ?</a:t>
+            </a:r>
+          </a:p>
+        </p:txBody>
+      </p:sp>
+      <p:sp>
+        <p:nvSpPr>
+          <p:cNvPr id="198" name="A simple yet very valuable test…"/>
+          <p:cNvSpPr txBox="1"/>
+          <p:nvPr>
+            <p:ph type="body" sz="half" idx="1"/>
+          </p:nvPr>
+        </p:nvSpPr>
+        <p:spPr>
+          <a:prstGeom prst="rect">
+            <a:avLst/>
+          </a:prstGeom>
+        </p:spPr>
+        <p:txBody>
+          <a:bodyPr/>
+          <a:lstStyle/>
+          <a:p>
+            <a:pPr/>
+            <a:r>
+              <a:t>A simple yet very valuable test</a:t>
+            </a:r>
+          </a:p>
+          <a:p>
+            <a:pPr/>
+            <a:r>
+              <a:t>Provides a great starting point to add more tests</a:t>
+            </a:r>
+          </a:p>
+          <a:p>
+            <a:pPr/>
+            <a:r>
+              <a:t>“npm test — —coverage”  - to see which files are not tested </a:t>
             </a:r>
           </a:p>
         </p:txBody>
       </p:sp>
       <p:pic>
         <p:nvPicPr>
-          <p:cNvPr id="199" name="coverage1_ss.png" descr="coverage1_ss.png"/>
+          <p:cNvPr id="199" name="Screen Shot 2018-09-02 at 10.33.36 PM.png" descr="Screen Shot 2018-09-02 at 10.33.36 PM.png"/>
           <p:cNvPicPr>
             <a:picLocks noChangeAspect="1"/>
           </p:cNvPicPr>
@@ -6286,8 +6839,8 @@
         </p:blipFill>
         <p:spPr>
           <a:xfrm>
-            <a:off x="806356" y="3755667"/>
-            <a:ext cx="22439532" cy="7601666"/>
+            <a:off x="6890607" y="3359404"/>
+            <a:ext cx="5708111" cy="2150006"/>
           </a:xfrm>
           <a:prstGeom prst="rect">
             <a:avLst/>
@@ -6349,7 +6902,7 @@
       </p:sp>
       <p:sp>
         <p:nvSpPr>
-          <p:cNvPr id="202" name="EXAMPLE 2 - Testing APP.JS"/>
+          <p:cNvPr id="202" name="Coverage report"/>
           <p:cNvSpPr txBox="1"/>
           <p:nvPr>
             <p:ph type="title"/>
@@ -6363,60 +6916,24 @@
         <p:txBody>
           <a:bodyPr/>
           <a:lstStyle>
-            <a:lvl1pPr defTabSz="685165">
+            <a:lvl1pPr defTabSz="467359">
               <a:spcBef>
-                <a:spcPts val="3200"/>
+                <a:spcPts val="2200"/>
               </a:spcBef>
-              <a:defRPr sz="7221"/>
+              <a:defRPr sz="4800"/>
             </a:lvl1pPr>
           </a:lstStyle>
           <a:p>
             <a:pPr/>
             <a:r>
-              <a:t>EXAMPLE 2 - Testing APP.JS</a:t>
-            </a:r>
-          </a:p>
-        </p:txBody>
-      </p:sp>
-      <p:sp>
-        <p:nvSpPr>
-          <p:cNvPr id="203" name="Tested one of the functions in this class - addTask()…"/>
-          <p:cNvSpPr txBox="1"/>
-          <p:nvPr>
-            <p:ph type="body" sz="half" idx="1"/>
-          </p:nvPr>
-        </p:nvSpPr>
-        <p:spPr>
-          <a:prstGeom prst="rect">
-            <a:avLst/>
-          </a:prstGeom>
-        </p:spPr>
-        <p:txBody>
-          <a:bodyPr/>
-          <a:lstStyle/>
-          <a:p>
-            <a:pPr/>
-            <a:r>
-              <a:t>Tested one of the functions in this class - addTask()</a:t>
-            </a:r>
-          </a:p>
-          <a:p>
-            <a:pPr/>
-            <a:r>
-              <a:t>Code coverage (line) goes up from 21% to 48%</a:t>
-            </a:r>
-          </a:p>
-          <a:p>
-            <a:pPr/>
-            <a:r>
-              <a:t>Creates positive feedback loop to keep adding more tests :) </a:t>
+              <a:t>Coverage report</a:t>
             </a:r>
           </a:p>
         </p:txBody>
       </p:sp>
       <p:pic>
         <p:nvPicPr>
-          <p:cNvPr id="204" name="AddTask_ss.png" descr="AddTask_ss.png"/>
+          <p:cNvPr id="203" name="coverage1_ss.png" descr="coverage1_ss.png"/>
           <p:cNvPicPr>
             <a:picLocks noChangeAspect="1"/>
           </p:cNvPicPr>
@@ -6432,8 +6949,8 @@
         </p:blipFill>
         <p:spPr>
           <a:xfrm>
-            <a:off x="12880921" y="3714749"/>
-            <a:ext cx="10871826" cy="5760602"/>
+            <a:off x="430056" y="3222222"/>
+            <a:ext cx="11967752" cy="4054223"/>
           </a:xfrm>
           <a:prstGeom prst="rect">
             <a:avLst/>
@@ -6656,7 +7173,7 @@
         <a:spAutoFit/>
       </a:bodyPr>
       <a:lstStyle>
-        <a:defPPr marL="0" marR="0" indent="0" algn="ctr" defTabSz="825500" rtl="0" fontAlgn="auto" latinLnBrk="0" hangingPunct="0">
+        <a:defPPr marL="0" marR="0" indent="0" algn="ctr" defTabSz="584200" rtl="0" fontAlgn="auto" latinLnBrk="0" hangingPunct="0">
           <a:lnSpc>
             <a:spcPct val="80000"/>
           </a:lnSpc>
@@ -6671,7 +7188,7 @@
           <a:buFontTx/>
           <a:buNone/>
           <a:tabLst/>
-          <a:defRPr b="0" baseline="0" cap="all" i="0" spc="0" strike="noStrike" sz="4000" u="none" kumimoji="0" normalizeH="0">
+          <a:defRPr b="0" baseline="0" cap="all" i="0" spc="0" strike="noStrike" sz="2800" u="none" kumimoji="0" normalizeH="0">
             <a:ln>
               <a:noFill/>
             </a:ln>
@@ -7227,12 +7744,12 @@
         <a:spAutoFit/>
       </a:bodyPr>
       <a:lstStyle>
-        <a:defPPr marL="0" marR="0" indent="0" algn="l" defTabSz="825500" rtl="0" fontAlgn="auto" latinLnBrk="0" hangingPunct="0">
+        <a:defPPr marL="0" marR="0" indent="0" algn="l" defTabSz="584200" rtl="0" fontAlgn="auto" latinLnBrk="0" hangingPunct="0">
           <a:lnSpc>
             <a:spcPct val="100000"/>
           </a:lnSpc>
           <a:spcBef>
-            <a:spcPts val="3400"/>
+            <a:spcPts val="2400"/>
           </a:spcBef>
           <a:spcAft>
             <a:spcPts val="0"/>
@@ -7242,7 +7759,7 @@
           <a:buFontTx/>
           <a:buNone/>
           <a:tabLst/>
-          <a:defRPr b="0" baseline="0" cap="none" i="0" spc="0" strike="noStrike" sz="3000" u="none" kumimoji="0" normalizeH="0">
+          <a:defRPr b="0" baseline="0" cap="none" i="0" spc="0" strike="noStrike" sz="2000" u="none" kumimoji="0" normalizeH="0">
             <a:ln>
               <a:noFill/>
             </a:ln>
@@ -7707,7 +8224,7 @@
         <a:spAutoFit/>
       </a:bodyPr>
       <a:lstStyle>
-        <a:defPPr marL="0" marR="0" indent="0" algn="ctr" defTabSz="825500" rtl="0" fontAlgn="auto" latinLnBrk="0" hangingPunct="0">
+        <a:defPPr marL="0" marR="0" indent="0" algn="ctr" defTabSz="584200" rtl="0" fontAlgn="auto" latinLnBrk="0" hangingPunct="0">
           <a:lnSpc>
             <a:spcPct val="80000"/>
           </a:lnSpc>
@@ -7722,7 +8239,7 @@
           <a:buFontTx/>
           <a:buNone/>
           <a:tabLst/>
-          <a:defRPr b="0" baseline="0" cap="all" i="0" spc="0" strike="noStrike" sz="4000" u="none" kumimoji="0" normalizeH="0">
+          <a:defRPr b="0" baseline="0" cap="all" i="0" spc="0" strike="noStrike" sz="2800" u="none" kumimoji="0" normalizeH="0">
             <a:ln>
               <a:noFill/>
             </a:ln>
@@ -8278,12 +8795,12 @@
         <a:spAutoFit/>
       </a:bodyPr>
       <a:lstStyle>
-        <a:defPPr marL="0" marR="0" indent="0" algn="l" defTabSz="825500" rtl="0" fontAlgn="auto" latinLnBrk="0" hangingPunct="0">
+        <a:defPPr marL="0" marR="0" indent="0" algn="l" defTabSz="584200" rtl="0" fontAlgn="auto" latinLnBrk="0" hangingPunct="0">
           <a:lnSpc>
             <a:spcPct val="100000"/>
           </a:lnSpc>
           <a:spcBef>
-            <a:spcPts val="3400"/>
+            <a:spcPts val="2400"/>
           </a:spcBef>
           <a:spcAft>
             <a:spcPts val="0"/>
@@ -8293,7 +8810,7 @@
           <a:buFontTx/>
           <a:buNone/>
           <a:tabLst/>
-          <a:defRPr b="0" baseline="0" cap="none" i="0" spc="0" strike="noStrike" sz="3000" u="none" kumimoji="0" normalizeH="0">
+          <a:defRPr b="0" baseline="0" cap="none" i="0" spc="0" strike="noStrike" sz="2000" u="none" kumimoji="0" normalizeH="0">
             <a:ln>
               <a:noFill/>
             </a:ln>
